--- a/專案管理.pptx
+++ b/專案管理.pptx
@@ -7512,8 +7512,8 @@
         </p:nvSpPr>
         <p:spPr>
           <a:xfrm>
-            <a:off x="1626263" y="1924216"/>
-            <a:ext cx="6730558" cy="1483098"/>
+            <a:off x="1586507" y="1910964"/>
+            <a:ext cx="6730558" cy="2308324"/>
           </a:xfrm>
           <a:prstGeom prst="rect">
             <a:avLst/>
@@ -7663,8 +7663,55 @@
                 <a:cs typeface="+mn-ea"/>
                 <a:sym typeface="+mn-lt"/>
               </a:rPr>
-              <a:t>:python3.8</a:t>
-            </a:r>
+              <a:t>:</a:t>
+            </a:r>
+            <a:r>
+              <a:rPr lang="en-US" altLang="zh-TW" sz="3200" dirty="0" smtClean="0">
+                <a:solidFill>
+                  <a:schemeClr val="tx1">
+                    <a:lumMod val="75000"/>
+                    <a:lumOff val="25000"/>
+                  </a:schemeClr>
+                </a:solidFill>
+                <a:latin typeface="+mn-ea"/>
+                <a:cs typeface="+mn-ea"/>
+                <a:sym typeface="+mn-lt"/>
+              </a:rPr>
+              <a:t>python3.8</a:t>
+            </a:r>
+          </a:p>
+          <a:p>
+            <a:pPr lvl="1" indent="-457200">
+              <a:lnSpc>
+                <a:spcPct val="150000"/>
+              </a:lnSpc>
+              <a:buFont typeface="Arial" panose="020B0604020202020204" pitchFamily="34" charset="0"/>
+              <a:buChar char="•"/>
+            </a:pPr>
+            <a:r>
+              <a:rPr lang="en-US" altLang="zh-TW" sz="3200" smtClean="0">
+                <a:solidFill>
+                  <a:schemeClr val="tx1">
+                    <a:lumMod val="75000"/>
+                    <a:lumOff val="25000"/>
+                  </a:schemeClr>
+                </a:solidFill>
+                <a:latin typeface="+mn-ea"/>
+                <a:cs typeface="+mn-ea"/>
+              </a:rPr>
+              <a:t>FPS&gt;60</a:t>
+            </a:r>
+            <a:endParaRPr lang="en-US" altLang="zh-TW" sz="3200" dirty="0">
+              <a:solidFill>
+                <a:schemeClr val="tx1">
+                  <a:lumMod val="75000"/>
+                  <a:lumOff val="25000"/>
+                </a:schemeClr>
+              </a:solidFill>
+              <a:latin typeface="+mn-ea"/>
+              <a:cs typeface="+mn-ea"/>
+              <a:sym typeface="+mn-lt"/>
+            </a:endParaRPr>
           </a:p>
         </p:txBody>
       </p:sp>
@@ -8089,8 +8136,8 @@
           </a:p>
         </p:txBody>
       </p:sp>
-      <mc:AlternateContent xmlns:mc="http://schemas.openxmlformats.org/markup-compatibility/2006">
-        <mc:Choice xmlns:a14="http://schemas.microsoft.com/office/drawing/2010/main" Requires="a14">
+      <mc:AlternateContent xmlns:mc="http://schemas.openxmlformats.org/markup-compatibility/2006" xmlns:a14="http://schemas.microsoft.com/office/drawing/2010/main">
+        <mc:Choice Requires="a14">
           <p:sp>
             <p:nvSpPr>
               <p:cNvPr id="4" name="文字方塊 3">
@@ -8320,12 +8367,11 @@
                   <a:rPr lang="zh-TW" altLang="en-US" dirty="0"/>
                   <a:t>，則此回合為平局遊戲。</a:t>
                 </a:r>
-                <a:endParaRPr lang="zh-TW" altLang="en-US" dirty="0"/>
               </a:p>
             </p:txBody>
           </p:sp>
         </mc:Choice>
-        <mc:Fallback>
+        <mc:Fallback xmlns="">
           <p:sp>
             <p:nvSpPr>
               <p:cNvPr id="4" name="文字方塊 3">
@@ -9986,10 +10032,6 @@
               </a:rPr>
               <a:t>板子不移動</a:t>
             </a:r>
-            <a:endParaRPr lang="zh-TW" altLang="en-US" dirty="0">
-              <a:latin typeface="微軟正黑體" panose="020B0604030504040204" pitchFamily="34" charset="-120"/>
-              <a:ea typeface="微軟正黑體" panose="020B0604030504040204" pitchFamily="34" charset="-120"/>
-            </a:endParaRPr>
           </a:p>
         </p:txBody>
       </p:sp>
@@ -10123,10 +10165,6 @@
               </a:rPr>
               <a:t>計算斜率及落點</a:t>
             </a:r>
-            <a:endParaRPr lang="zh-TW" altLang="en-US" sz="1400" dirty="0">
-              <a:latin typeface="微軟正黑體" panose="020B0604030504040204" pitchFamily="34" charset="-120"/>
-              <a:ea typeface="微軟正黑體" panose="020B0604030504040204" pitchFamily="34" charset="-120"/>
-            </a:endParaRPr>
           </a:p>
         </p:txBody>
       </p:sp>
@@ -10249,10 +10287,6 @@
               </a:rPr>
               <a:t>計算分數是否達標</a:t>
             </a:r>
-            <a:endParaRPr lang="zh-TW" altLang="en-US" sz="1200" dirty="0">
-              <a:latin typeface="微軟正黑體" panose="020B0604030504040204" pitchFamily="34" charset="-120"/>
-              <a:ea typeface="微軟正黑體" panose="020B0604030504040204" pitchFamily="34" charset="-120"/>
-            </a:endParaRPr>
           </a:p>
         </p:txBody>
       </p:sp>

--- a/專案管理.pptx
+++ b/專案管理.pptx
@@ -7513,7 +7513,7 @@
         <p:spPr>
           <a:xfrm>
             <a:off x="1586507" y="1910964"/>
-            <a:ext cx="6730558" cy="2308324"/>
+            <a:ext cx="6730558" cy="3046988"/>
           </a:xfrm>
           <a:prstGeom prst="rect">
             <a:avLst/>
@@ -7526,161 +7526,6 @@
           </a:bodyPr>
           <a:lstStyle/>
           <a:p>
-            <a:pPr marL="457200" indent="-457200">
-              <a:lnSpc>
-                <a:spcPct val="150000"/>
-              </a:lnSpc>
-              <a:buFont typeface="Arial" panose="020B0604020202020204" pitchFamily="34" charset="0"/>
-              <a:buChar char="•"/>
-            </a:pPr>
-            <a:r>
-              <a:rPr lang="zh-TW" altLang="en-US" sz="3200" dirty="0">
-                <a:solidFill>
-                  <a:schemeClr val="tx1">
-                    <a:lumMod val="75000"/>
-                    <a:lumOff val="25000"/>
-                  </a:schemeClr>
-                </a:solidFill>
-                <a:latin typeface="+mn-ea"/>
-                <a:cs typeface="+mn-ea"/>
-                <a:sym typeface="+mn-lt"/>
-              </a:rPr>
-              <a:t>作業系統</a:t>
-            </a:r>
-            <a:r>
-              <a:rPr lang="en-US" altLang="zh-TW" sz="3200" dirty="0">
-                <a:solidFill>
-                  <a:schemeClr val="tx1">
-                    <a:lumMod val="75000"/>
-                    <a:lumOff val="25000"/>
-                  </a:schemeClr>
-                </a:solidFill>
-                <a:latin typeface="+mn-ea"/>
-                <a:cs typeface="+mn-ea"/>
-                <a:sym typeface="+mn-lt"/>
-              </a:rPr>
-              <a:t>:</a:t>
-            </a:r>
-            <a:r>
-              <a:rPr lang="zh-TW" altLang="en-US" sz="3200" dirty="0">
-                <a:solidFill>
-                  <a:schemeClr val="tx1">
-                    <a:lumMod val="75000"/>
-                    <a:lumOff val="25000"/>
-                  </a:schemeClr>
-                </a:solidFill>
-                <a:latin typeface="+mn-ea"/>
-                <a:cs typeface="+mn-ea"/>
-                <a:sym typeface="+mn-lt"/>
-              </a:rPr>
-              <a:t> </a:t>
-            </a:r>
-            <a:r>
-              <a:rPr lang="en-US" altLang="zh-TW" sz="3200" dirty="0">
-                <a:solidFill>
-                  <a:schemeClr val="tx1">
-                    <a:lumMod val="75000"/>
-                    <a:lumOff val="25000"/>
-                  </a:schemeClr>
-                </a:solidFill>
-                <a:latin typeface="+mn-ea"/>
-                <a:cs typeface="+mn-ea"/>
-                <a:sym typeface="+mn-lt"/>
-              </a:rPr>
-              <a:t>win10</a:t>
-            </a:r>
-            <a:r>
-              <a:rPr lang="zh-TW" altLang="en-US" sz="3200" dirty="0" smtClean="0">
-                <a:solidFill>
-                  <a:schemeClr val="tx1">
-                    <a:lumMod val="75000"/>
-                    <a:lumOff val="25000"/>
-                  </a:schemeClr>
-                </a:solidFill>
-                <a:latin typeface="+mn-ea"/>
-                <a:cs typeface="+mn-ea"/>
-                <a:sym typeface="+mn-lt"/>
-              </a:rPr>
-              <a:t>版本</a:t>
-            </a:r>
-            <a:endParaRPr lang="en-US" altLang="zh-TW" sz="3200" dirty="0" smtClean="0">
-              <a:solidFill>
-                <a:schemeClr val="tx1">
-                  <a:lumMod val="75000"/>
-                  <a:lumOff val="25000"/>
-                </a:schemeClr>
-              </a:solidFill>
-              <a:latin typeface="+mn-ea"/>
-              <a:cs typeface="+mn-ea"/>
-              <a:sym typeface="+mn-lt"/>
-            </a:endParaRPr>
-          </a:p>
-          <a:p>
-            <a:pPr marL="457200" indent="-457200">
-              <a:lnSpc>
-                <a:spcPct val="150000"/>
-              </a:lnSpc>
-              <a:buFont typeface="Arial" panose="020B0604020202020204" pitchFamily="34" charset="0"/>
-              <a:buChar char="•"/>
-            </a:pPr>
-            <a:r>
-              <a:rPr lang="zh-TW" altLang="en-US" sz="3200" dirty="0" smtClean="0">
-                <a:solidFill>
-                  <a:schemeClr val="tx1">
-                    <a:lumMod val="75000"/>
-                    <a:lumOff val="25000"/>
-                  </a:schemeClr>
-                </a:solidFill>
-                <a:latin typeface="+mn-ea"/>
-                <a:cs typeface="+mn-ea"/>
-                <a:sym typeface="+mn-lt"/>
-              </a:rPr>
-              <a:t>軟體</a:t>
-            </a:r>
-            <a:r>
-              <a:rPr lang="zh-TW" altLang="en-US" sz="3200" dirty="0">
-                <a:solidFill>
-                  <a:schemeClr val="tx1">
-                    <a:lumMod val="75000"/>
-                    <a:lumOff val="25000"/>
-                  </a:schemeClr>
-                </a:solidFill>
-                <a:latin typeface="+mn-ea"/>
-                <a:cs typeface="+mn-ea"/>
-                <a:sym typeface="+mn-lt"/>
-              </a:rPr>
-              <a:t>版本</a:t>
-            </a:r>
-            <a:r>
-              <a:rPr lang="en-US" altLang="zh-TW" sz="3200" dirty="0">
-                <a:solidFill>
-                  <a:schemeClr val="tx1">
-                    <a:lumMod val="75000"/>
-                    <a:lumOff val="25000"/>
-                  </a:schemeClr>
-                </a:solidFill>
-                <a:latin typeface="+mn-ea"/>
-                <a:cs typeface="+mn-ea"/>
-                <a:sym typeface="+mn-lt"/>
-              </a:rPr>
-              <a:t>:</a:t>
-            </a:r>
-            <a:r>
-              <a:rPr lang="en-US" altLang="zh-TW" sz="3200" dirty="0" smtClean="0">
-                <a:solidFill>
-                  <a:schemeClr val="tx1">
-                    <a:lumMod val="75000"/>
-                    <a:lumOff val="25000"/>
-                  </a:schemeClr>
-                </a:solidFill>
-                <a:latin typeface="+mn-ea"/>
-                <a:cs typeface="+mn-ea"/>
-                <a:sym typeface="+mn-lt"/>
-              </a:rPr>
-              <a:t>python3.8</a:t>
-            </a:r>
-          </a:p>
-          <a:p>
             <a:pPr lvl="1" indent="-457200">
               <a:lnSpc>
                 <a:spcPct val="150000"/>
@@ -7689,7 +7534,7 @@
               <a:buChar char="•"/>
             </a:pPr>
             <a:r>
-              <a:rPr lang="en-US" altLang="zh-TW" sz="3200" smtClean="0">
+              <a:rPr lang="en-US" altLang="zh-TW" sz="3200" dirty="0" smtClean="0">
                 <a:solidFill>
                   <a:schemeClr val="tx1">
                     <a:lumMod val="75000"/>
@@ -7701,6 +7546,53 @@
               </a:rPr>
               <a:t>FPS&gt;60</a:t>
             </a:r>
+          </a:p>
+          <a:p>
+            <a:pPr lvl="1" indent="-457200">
+              <a:lnSpc>
+                <a:spcPct val="150000"/>
+              </a:lnSpc>
+              <a:buFont typeface="Arial" panose="020B0604020202020204" pitchFamily="34" charset="0"/>
+              <a:buChar char="•"/>
+            </a:pPr>
+            <a:endParaRPr lang="en-US" altLang="zh-TW" sz="3200" dirty="0" smtClean="0">
+              <a:solidFill>
+                <a:schemeClr val="tx1">
+                  <a:lumMod val="75000"/>
+                  <a:lumOff val="25000"/>
+                </a:schemeClr>
+              </a:solidFill>
+              <a:latin typeface="+mn-ea"/>
+              <a:cs typeface="+mn-ea"/>
+            </a:endParaRPr>
+          </a:p>
+          <a:p>
+            <a:pPr lvl="1" indent="-457200">
+              <a:lnSpc>
+                <a:spcPct val="150000"/>
+              </a:lnSpc>
+              <a:buFont typeface="Arial" panose="020B0604020202020204" pitchFamily="34" charset="0"/>
+              <a:buChar char="•"/>
+            </a:pPr>
+            <a:endParaRPr lang="en-US" altLang="zh-TW" sz="3200" dirty="0" smtClean="0">
+              <a:solidFill>
+                <a:schemeClr val="tx1">
+                  <a:lumMod val="75000"/>
+                  <a:lumOff val="25000"/>
+                </a:schemeClr>
+              </a:solidFill>
+              <a:latin typeface="+mn-ea"/>
+              <a:cs typeface="+mn-ea"/>
+            </a:endParaRPr>
+          </a:p>
+          <a:p>
+            <a:pPr lvl="1" indent="-457200">
+              <a:lnSpc>
+                <a:spcPct val="150000"/>
+              </a:lnSpc>
+              <a:buFont typeface="Arial" panose="020B0604020202020204" pitchFamily="34" charset="0"/>
+              <a:buChar char="•"/>
+            </a:pPr>
             <a:endParaRPr lang="en-US" altLang="zh-TW" sz="3200" dirty="0">
               <a:solidFill>
                 <a:schemeClr val="tx1">
@@ -7777,7 +7669,50 @@
               <a:rPr lang="zh-TW" altLang="en-US" sz="3000" dirty="0"/>
               <a:t> </a:t>
             </a:r>
-            <a:endParaRPr lang="en-US" altLang="zh-TW" sz="3000" dirty="0" smtClean="0"/>
+            <a:endParaRPr lang="en-US" altLang="zh-TW" sz="2800" dirty="0">
+              <a:solidFill>
+                <a:schemeClr val="tx1">
+                  <a:lumMod val="75000"/>
+                  <a:lumOff val="25000"/>
+                </a:schemeClr>
+              </a:solidFill>
+              <a:cs typeface="+mn-ea"/>
+            </a:endParaRPr>
+          </a:p>
+          <a:p>
+            <a:r>
+              <a:rPr lang="zh-TW" altLang="en-US" sz="2800" dirty="0">
+                <a:solidFill>
+                  <a:schemeClr val="tx1">
+                    <a:lumMod val="75000"/>
+                    <a:lumOff val="25000"/>
+                  </a:schemeClr>
+                </a:solidFill>
+                <a:cs typeface="+mn-ea"/>
+              </a:rPr>
+              <a:t>預測對方擊球後落</a:t>
+            </a:r>
+            <a:r>
+              <a:rPr lang="zh-TW" altLang="en-US" sz="2800" dirty="0" smtClean="0">
+                <a:solidFill>
+                  <a:schemeClr val="tx1">
+                    <a:lumMod val="75000"/>
+                    <a:lumOff val="25000"/>
+                  </a:schemeClr>
+                </a:solidFill>
+                <a:cs typeface="+mn-ea"/>
+              </a:rPr>
+              <a:t>點</a:t>
+            </a:r>
+            <a:endParaRPr lang="en-US" altLang="zh-TW" sz="2800" dirty="0" smtClean="0">
+              <a:solidFill>
+                <a:schemeClr val="tx1">
+                  <a:lumMod val="75000"/>
+                  <a:lumOff val="25000"/>
+                </a:schemeClr>
+              </a:solidFill>
+              <a:cs typeface="+mn-ea"/>
+            </a:endParaRPr>
           </a:p>
           <a:p>
             <a:r>
@@ -7791,23 +7726,10 @@
                 <a:cs typeface="+mn-ea"/>
                 <a:sym typeface="+mn-lt"/>
               </a:rPr>
-              <a:t>平板能以最簡潔的方式</a:t>
-            </a:r>
-            <a:r>
-              <a:rPr lang="zh-TW" altLang="en-US" sz="2800" dirty="0" smtClean="0">
-                <a:solidFill>
-                  <a:schemeClr val="tx1">
-                    <a:lumMod val="75000"/>
-                    <a:lumOff val="25000"/>
-                  </a:schemeClr>
-                </a:solidFill>
-                <a:cs typeface="+mn-ea"/>
-                <a:sym typeface="+mn-lt"/>
-              </a:rPr>
-              <a:t>移動</a:t>
-            </a:r>
-            <a:r>
-              <a:rPr lang="en-US" altLang="zh-TW" sz="2800" dirty="0" smtClean="0">
+              <a:t>平板能以最直接的方式移動</a:t>
+            </a:r>
+            <a:r>
+              <a:rPr lang="en-US" altLang="zh-TW" sz="2800" dirty="0">
                 <a:solidFill>
                   <a:schemeClr val="tx1">
                     <a:lumMod val="75000"/>
@@ -7820,19 +7742,27 @@
               <a:t>(</a:t>
             </a:r>
             <a:r>
-              <a:rPr lang="zh-TW" altLang="en-US" sz="2800" dirty="0" smtClean="0"/>
-              <a:t>移動</a:t>
-            </a:r>
-            <a:r>
-              <a:rPr lang="zh-TW" altLang="en-US" sz="2800" dirty="0"/>
-              <a:t>路徑</a:t>
-            </a:r>
-            <a:r>
-              <a:rPr lang="zh-TW" altLang="en-US" sz="2800" dirty="0" smtClean="0"/>
-              <a:t>短</a:t>
-            </a:r>
-            <a:r>
-              <a:rPr lang="en-US" altLang="zh-TW" sz="2800" dirty="0" smtClean="0"/>
+              <a:rPr lang="zh-TW" altLang="en-US" sz="2800" dirty="0">
+                <a:solidFill>
+                  <a:schemeClr val="tx1">
+                    <a:lumMod val="75000"/>
+                    <a:lumOff val="25000"/>
+                  </a:schemeClr>
+                </a:solidFill>
+                <a:cs typeface="+mn-ea"/>
+              </a:rPr>
+              <a:t>移動路徑短</a:t>
+            </a:r>
+            <a:r>
+              <a:rPr lang="en-US" altLang="zh-TW" sz="2800" dirty="0">
+                <a:solidFill>
+                  <a:schemeClr val="tx1">
+                    <a:lumMod val="75000"/>
+                    <a:lumOff val="25000"/>
+                  </a:schemeClr>
+                </a:solidFill>
+                <a:cs typeface="+mn-ea"/>
+              </a:rPr>
               <a:t>)</a:t>
             </a:r>
           </a:p>
@@ -7851,7 +7781,7 @@
               <a:t>在速度</a:t>
             </a:r>
             <a:r>
-              <a:rPr lang="zh-TW" altLang="en-US" sz="2800" dirty="0" smtClean="0">
+              <a:rPr lang="zh-TW" altLang="en-US" sz="2800" dirty="0">
                 <a:solidFill>
                   <a:schemeClr val="tx1">
                     <a:lumMod val="75000"/>
@@ -7864,7 +7794,7 @@
               <a:t>到達</a:t>
             </a:r>
             <a:r>
-              <a:rPr lang="en-US" altLang="zh-TW" sz="2800" dirty="0" smtClean="0">
+              <a:rPr lang="en-US" altLang="zh-TW" sz="2800" dirty="0">
                 <a:solidFill>
                   <a:schemeClr val="tx1">
                     <a:lumMod val="75000"/>
@@ -7877,7 +7807,7 @@
               <a:t>15</a:t>
             </a:r>
             <a:r>
-              <a:rPr lang="zh-TW" altLang="en-US" sz="2800" dirty="0" smtClean="0">
+              <a:rPr lang="zh-TW" altLang="en-US" sz="2800" dirty="0">
                 <a:solidFill>
                   <a:schemeClr val="tx1">
                     <a:lumMod val="75000"/>
@@ -7903,7 +7833,7 @@
               <a:t>不</a:t>
             </a:r>
             <a:r>
-              <a:rPr lang="zh-TW" altLang="en-US" sz="2800" dirty="0" smtClean="0">
+              <a:rPr lang="zh-TW" altLang="en-US" sz="2800" dirty="0">
                 <a:solidFill>
                   <a:schemeClr val="tx1">
                     <a:lumMod val="75000"/>
@@ -7915,7 +7845,7 @@
               </a:rPr>
               <a:t>失誤</a:t>
             </a:r>
-            <a:endParaRPr lang="en-US" altLang="zh-TW" sz="2800" dirty="0" smtClean="0">
+            <a:endParaRPr lang="en-US" altLang="zh-TW" sz="2800" dirty="0">
               <a:solidFill>
                 <a:schemeClr val="tx1">
                   <a:lumMod val="75000"/>
@@ -7928,7 +7858,7 @@
           </a:p>
           <a:p>
             <a:r>
-              <a:rPr lang="zh-TW" altLang="en-US" sz="2800" dirty="0" smtClean="0">
+              <a:rPr lang="zh-TW" altLang="en-US" sz="2800" dirty="0">
                 <a:solidFill>
                   <a:schemeClr val="tx1">
                     <a:lumMod val="75000"/>
@@ -7938,10 +7868,10 @@
                 <a:cs typeface="+mn-ea"/>
                 <a:sym typeface="+mn-lt"/>
               </a:rPr>
-              <a:t> 切球</a:t>
-            </a:r>
-            <a:r>
-              <a:rPr lang="en-US" altLang="zh-TW" sz="2800" dirty="0" smtClean="0">
+              <a:t>切球</a:t>
+            </a:r>
+            <a:r>
+              <a:rPr lang="en-US" altLang="zh-TW" sz="2800" dirty="0">
                 <a:solidFill>
                   <a:schemeClr val="tx1">
                     <a:lumMod val="75000"/>
@@ -7954,7 +7884,7 @@
               <a:t>(</a:t>
             </a:r>
             <a:r>
-              <a:rPr lang="zh-TW" altLang="en-US" sz="2800" dirty="0" smtClean="0">
+              <a:rPr lang="zh-TW" altLang="en-US" sz="2800" dirty="0">
                 <a:solidFill>
                   <a:schemeClr val="tx1">
                     <a:lumMod val="75000"/>
@@ -7967,7 +7897,7 @@
               <a:t>左右移動直到擊完球</a:t>
             </a:r>
             <a:r>
-              <a:rPr lang="en-US" altLang="zh-TW" sz="2800" dirty="0" smtClean="0">
+              <a:rPr lang="en-US" altLang="zh-TW" sz="2800" dirty="0">
                 <a:solidFill>
                   <a:schemeClr val="tx1">
                     <a:lumMod val="75000"/>
@@ -8640,50 +8570,6 @@
           </a:p>
         </p:txBody>
       </p:sp>
-      <p:cxnSp>
-        <p:nvCxnSpPr>
-          <p:cNvPr id="10" name="直線單箭頭接點 9">
-            <a:extLst>
-              <a:ext uri="{FF2B5EF4-FFF2-40B4-BE49-F238E27FC236}">
-                <a16:creationId xmlns:a16="http://schemas.microsoft.com/office/drawing/2014/main" id="{64654B62-0584-40EE-A1A3-6C01A8F7F0D5}"/>
-              </a:ext>
-            </a:extLst>
-          </p:cNvPr>
-          <p:cNvCxnSpPr/>
-          <p:nvPr/>
-        </p:nvCxnSpPr>
-        <p:spPr>
-          <a:xfrm flipH="1">
-            <a:off x="1860884" y="1949116"/>
-            <a:ext cx="1106905" cy="360947"/>
-          </a:xfrm>
-          <a:prstGeom prst="straightConnector1">
-            <a:avLst/>
-          </a:prstGeom>
-          <a:ln w="38100">
-            <a:solidFill>
-              <a:schemeClr val="bg1">
-                <a:lumMod val="95000"/>
-              </a:schemeClr>
-            </a:solidFill>
-            <a:tailEnd type="triangle"/>
-          </a:ln>
-        </p:spPr>
-        <p:style>
-          <a:lnRef idx="1">
-            <a:schemeClr val="accent1"/>
-          </a:lnRef>
-          <a:fillRef idx="0">
-            <a:schemeClr val="accent1"/>
-          </a:fillRef>
-          <a:effectRef idx="0">
-            <a:schemeClr val="accent1"/>
-          </a:effectRef>
-          <a:fontRef idx="minor">
-            <a:schemeClr val="tx1"/>
-          </a:fontRef>
-        </p:style>
-      </p:cxnSp>
       <p:sp>
         <p:nvSpPr>
           <p:cNvPr id="11" name="文字方塊 10">
@@ -8698,7 +8584,7 @@
         </p:nvSpPr>
         <p:spPr>
           <a:xfrm>
-            <a:off x="81553" y="2166774"/>
+            <a:off x="4864386" y="1552544"/>
             <a:ext cx="1800493" cy="646331"/>
           </a:xfrm>
           <a:prstGeom prst="rect">
@@ -8753,52 +8639,6 @@
           </a:p>
         </p:txBody>
       </p:sp>
-      <p:cxnSp>
-        <p:nvCxnSpPr>
-          <p:cNvPr id="12" name="直線單箭頭接點 11">
-            <a:extLst>
-              <a:ext uri="{FF2B5EF4-FFF2-40B4-BE49-F238E27FC236}">
-                <a16:creationId xmlns:a16="http://schemas.microsoft.com/office/drawing/2014/main" id="{3832BD37-B138-4B67-891A-94FF0DB187C5}"/>
-              </a:ext>
-            </a:extLst>
-          </p:cNvPr>
-          <p:cNvCxnSpPr>
-            <a:cxnSpLocks/>
-          </p:cNvCxnSpPr>
-          <p:nvPr/>
-        </p:nvCxnSpPr>
-        <p:spPr>
-          <a:xfrm flipH="1" flipV="1">
-            <a:off x="1999027" y="4749489"/>
-            <a:ext cx="1106553" cy="480239"/>
-          </a:xfrm>
-          <a:prstGeom prst="straightConnector1">
-            <a:avLst/>
-          </a:prstGeom>
-          <a:ln w="38100">
-            <a:solidFill>
-              <a:schemeClr val="bg1">
-                <a:lumMod val="95000"/>
-              </a:schemeClr>
-            </a:solidFill>
-            <a:tailEnd type="triangle"/>
-          </a:ln>
-        </p:spPr>
-        <p:style>
-          <a:lnRef idx="1">
-            <a:schemeClr val="accent1"/>
-          </a:lnRef>
-          <a:fillRef idx="0">
-            <a:schemeClr val="accent1"/>
-          </a:fillRef>
-          <a:effectRef idx="0">
-            <a:schemeClr val="accent1"/>
-          </a:effectRef>
-          <a:fontRef idx="minor">
-            <a:schemeClr val="tx1"/>
-          </a:fontRef>
-        </p:style>
-      </p:cxnSp>
       <p:sp>
         <p:nvSpPr>
           <p:cNvPr id="13" name="文字方塊 12">
@@ -8813,7 +8653,7 @@
         </p:nvSpPr>
         <p:spPr>
           <a:xfrm>
-            <a:off x="81553" y="4564823"/>
+            <a:off x="5020838" y="4936762"/>
             <a:ext cx="1928733" cy="646331"/>
           </a:xfrm>
           <a:prstGeom prst="rect">
@@ -9789,7 +9629,21 @@
                 <a:latin typeface="微軟正黑體" panose="020B0604030504040204" pitchFamily="34" charset="-120"/>
                 <a:ea typeface="微軟正黑體" panose="020B0604030504040204" pitchFamily="34" charset="-120"/>
               </a:rPr>
-              <a:t>板子移動至落點處</a:t>
+              <a:t>板子移動至落點</a:t>
+            </a:r>
+            <a:r>
+              <a:rPr lang="zh-TW" altLang="en-US" sz="1400" dirty="0" smtClean="0">
+                <a:latin typeface="微軟正黑體" panose="020B0604030504040204" pitchFamily="34" charset="-120"/>
+                <a:ea typeface="微軟正黑體" panose="020B0604030504040204" pitchFamily="34" charset="-120"/>
+              </a:rPr>
+              <a:t>處</a:t>
+            </a:r>
+            <a:r>
+              <a:rPr lang="en-US" altLang="zh-TW" sz="1400" dirty="0" smtClean="0">
+                <a:latin typeface="微軟正黑體" panose="020B0604030504040204" pitchFamily="34" charset="-120"/>
+                <a:ea typeface="微軟正黑體" panose="020B0604030504040204" pitchFamily="34" charset="-120"/>
+              </a:rPr>
+              <a:t>(R/L)</a:t>
             </a:r>
             <a:endParaRPr lang="zh-TW" altLang="en-US" sz="1400" dirty="0">
               <a:latin typeface="微軟正黑體" panose="020B0604030504040204" pitchFamily="34" charset="-120"/>
@@ -10030,8 +9884,26 @@
                 <a:latin typeface="微軟正黑體" panose="020B0604030504040204" pitchFamily="34" charset="-120"/>
                 <a:ea typeface="微軟正黑體" panose="020B0604030504040204" pitchFamily="34" charset="-120"/>
               </a:rPr>
-              <a:t>板子不移動</a:t>
-            </a:r>
+              <a:t>板子不</a:t>
+            </a:r>
+            <a:r>
+              <a:rPr lang="zh-TW" altLang="en-US" dirty="0" smtClean="0">
+                <a:latin typeface="微軟正黑體" panose="020B0604030504040204" pitchFamily="34" charset="-120"/>
+                <a:ea typeface="微軟正黑體" panose="020B0604030504040204" pitchFamily="34" charset="-120"/>
+              </a:rPr>
+              <a:t>移動</a:t>
+            </a:r>
+            <a:r>
+              <a:rPr lang="en-US" altLang="zh-TW" dirty="0" smtClean="0">
+                <a:latin typeface="微軟正黑體" panose="020B0604030504040204" pitchFamily="34" charset="-120"/>
+                <a:ea typeface="微軟正黑體" panose="020B0604030504040204" pitchFamily="34" charset="-120"/>
+              </a:rPr>
+              <a:t>(NONE)</a:t>
+            </a:r>
+            <a:endParaRPr lang="zh-TW" altLang="en-US" dirty="0">
+              <a:latin typeface="微軟正黑體" panose="020B0604030504040204" pitchFamily="34" charset="-120"/>
+              <a:ea typeface="微軟正黑體" panose="020B0604030504040204" pitchFamily="34" charset="-120"/>
+            </a:endParaRPr>
           </a:p>
         </p:txBody>
       </p:sp>

--- a/專案管理.pptx
+++ b/專案管理.pptx
@@ -5,14 +5,16 @@
     <p:sldMasterId id="2147483689" r:id="rId1"/>
   </p:sldMasterIdLst>
   <p:notesMasterIdLst>
-    <p:notesMasterId r:id="rId7"/>
+    <p:notesMasterId r:id="rId9"/>
   </p:notesMasterIdLst>
   <p:sldIdLst>
     <p:sldId id="256" r:id="rId2"/>
     <p:sldId id="261" r:id="rId3"/>
-    <p:sldId id="258" r:id="rId4"/>
-    <p:sldId id="263" r:id="rId5"/>
-    <p:sldId id="262" r:id="rId6"/>
+    <p:sldId id="264" r:id="rId4"/>
+    <p:sldId id="265" r:id="rId5"/>
+    <p:sldId id="258" r:id="rId6"/>
+    <p:sldId id="263" r:id="rId7"/>
+    <p:sldId id="262" r:id="rId8"/>
   </p:sldIdLst>
   <p:sldSz cx="12192000" cy="6858000"/>
   <p:notesSz cx="6858000" cy="9144000"/>
@@ -201,7 +203,7 @@
           <a:p>
             <a:fld id="{8DADACD0-0803-4739-80AC-0BF714382191}" type="datetimeFigureOut">
               <a:rPr lang="zh-TW" altLang="en-US" smtClean="0"/>
-              <a:t>2020/11/18</a:t>
+              <a:t>2020/11/23</a:t>
             </a:fld>
             <a:endParaRPr lang="zh-TW" altLang="en-US"/>
           </a:p>
@@ -534,7 +536,7 @@
           <a:p>
             <a:fld id="{EF8A6B0B-A5FB-4629-B823-69B1A9EB3A43}" type="slidenum">
               <a:rPr lang="zh-TW" altLang="en-US" smtClean="0"/>
-              <a:t>3</a:t>
+              <a:t>5</a:t>
             </a:fld>
             <a:endParaRPr lang="zh-TW" altLang="en-US"/>
           </a:p>
@@ -1775,7 +1777,7 @@
           <a:p>
             <a:fld id="{A443866F-78E9-4748-B589-0BAF5BCC8E53}" type="datetimeFigureOut">
               <a:rPr lang="zh-TW" altLang="en-US" smtClean="0"/>
-              <a:t>2020/11/18</a:t>
+              <a:t>2020/11/23</a:t>
             </a:fld>
             <a:endParaRPr lang="zh-TW" altLang="en-US"/>
           </a:p>
@@ -2018,7 +2020,7 @@
           <a:p>
             <a:fld id="{A443866F-78E9-4748-B589-0BAF5BCC8E53}" type="datetimeFigureOut">
               <a:rPr lang="zh-TW" altLang="en-US" smtClean="0"/>
-              <a:t>2020/11/18</a:t>
+              <a:t>2020/11/23</a:t>
             </a:fld>
             <a:endParaRPr lang="zh-TW" altLang="en-US"/>
           </a:p>
@@ -2198,7 +2200,7 @@
           <a:p>
             <a:fld id="{A443866F-78E9-4748-B589-0BAF5BCC8E53}" type="datetimeFigureOut">
               <a:rPr lang="zh-TW" altLang="en-US" smtClean="0"/>
-              <a:t>2020/11/18</a:t>
+              <a:t>2020/11/23</a:t>
             </a:fld>
             <a:endParaRPr lang="zh-TW" altLang="en-US"/>
           </a:p>
@@ -2368,7 +2370,7 @@
           <a:p>
             <a:fld id="{A443866F-78E9-4748-B589-0BAF5BCC8E53}" type="datetimeFigureOut">
               <a:rPr lang="zh-TW" altLang="en-US" smtClean="0"/>
-              <a:t>2020/11/18</a:t>
+              <a:t>2020/11/23</a:t>
             </a:fld>
             <a:endParaRPr lang="zh-TW" altLang="en-US"/>
           </a:p>
@@ -2647,7 +2649,7 @@
           <a:p>
             <a:fld id="{A443866F-78E9-4748-B589-0BAF5BCC8E53}" type="datetimeFigureOut">
               <a:rPr lang="zh-TW" altLang="en-US" smtClean="0"/>
-              <a:t>2020/11/18</a:t>
+              <a:t>2020/11/23</a:t>
             </a:fld>
             <a:endParaRPr lang="zh-TW" altLang="en-US"/>
           </a:p>
@@ -3848,7 +3850,7 @@
           <a:p>
             <a:fld id="{A443866F-78E9-4748-B589-0BAF5BCC8E53}" type="datetimeFigureOut">
               <a:rPr lang="zh-TW" altLang="en-US" smtClean="0"/>
-              <a:t>2020/11/18</a:t>
+              <a:t>2020/11/23</a:t>
             </a:fld>
             <a:endParaRPr lang="zh-TW" altLang="en-US"/>
           </a:p>
@@ -4244,7 +4246,7 @@
           <a:p>
             <a:fld id="{A443866F-78E9-4748-B589-0BAF5BCC8E53}" type="datetimeFigureOut">
               <a:rPr lang="zh-TW" altLang="en-US" smtClean="0"/>
-              <a:t>2020/11/18</a:t>
+              <a:t>2020/11/23</a:t>
             </a:fld>
             <a:endParaRPr lang="zh-TW" altLang="en-US"/>
           </a:p>
@@ -4367,7 +4369,7 @@
           <a:p>
             <a:fld id="{A443866F-78E9-4748-B589-0BAF5BCC8E53}" type="datetimeFigureOut">
               <a:rPr lang="zh-TW" altLang="en-US" smtClean="0"/>
-              <a:t>2020/11/18</a:t>
+              <a:t>2020/11/23</a:t>
             </a:fld>
             <a:endParaRPr lang="zh-TW" altLang="en-US"/>
           </a:p>
@@ -4462,7 +4464,7 @@
           <a:p>
             <a:fld id="{A443866F-78E9-4748-B589-0BAF5BCC8E53}" type="datetimeFigureOut">
               <a:rPr lang="zh-TW" altLang="en-US" smtClean="0"/>
-              <a:t>2020/11/18</a:t>
+              <a:t>2020/11/23</a:t>
             </a:fld>
             <a:endParaRPr lang="zh-TW" altLang="en-US"/>
           </a:p>
@@ -5228,7 +5230,7 @@
           <a:p>
             <a:fld id="{A443866F-78E9-4748-B589-0BAF5BCC8E53}" type="datetimeFigureOut">
               <a:rPr lang="zh-TW" altLang="en-US" smtClean="0"/>
-              <a:t>2020/11/18</a:t>
+              <a:t>2020/11/23</a:t>
             </a:fld>
             <a:endParaRPr lang="zh-TW" altLang="en-US"/>
           </a:p>
@@ -6071,7 +6073,7 @@
           <a:p>
             <a:fld id="{A443866F-78E9-4748-B589-0BAF5BCC8E53}" type="datetimeFigureOut">
               <a:rPr lang="zh-TW" altLang="en-US" smtClean="0"/>
-              <a:t>2020/11/18</a:t>
+              <a:t>2020/11/23</a:t>
             </a:fld>
             <a:endParaRPr lang="zh-TW" altLang="en-US"/>
           </a:p>
@@ -6298,7 +6300,7 @@
           <a:p>
             <a:fld id="{A443866F-78E9-4748-B589-0BAF5BCC8E53}" type="datetimeFigureOut">
               <a:rPr lang="zh-TW" altLang="en-US" smtClean="0"/>
-              <a:t>2020/11/18</a:t>
+              <a:t>2020/11/23</a:t>
             </a:fld>
             <a:endParaRPr lang="zh-TW" altLang="en-US"/>
           </a:p>
@@ -7392,8 +7394,13 @@
             </a:r>
             <a:r>
               <a:rPr lang="en-US" altLang="zh-TW" dirty="0" smtClean="0"/>
-              <a:t>0652054</a:t>
-            </a:r>
+              <a:t>0652054	</a:t>
+            </a:r>
+            <a:r>
+              <a:rPr lang="zh-TW" altLang="en-US" dirty="0" smtClean="0"/>
+              <a:t>沈易賢</a:t>
+            </a:r>
+            <a:endParaRPr lang="en-US" altLang="zh-TW" dirty="0" smtClean="0"/>
           </a:p>
           <a:p>
             <a:pPr algn="l"/>
@@ -7411,7 +7418,11 @@
             </a:r>
             <a:r>
               <a:rPr lang="en-US" altLang="zh-TW" dirty="0" smtClean="0"/>
-              <a:t>0652074</a:t>
+              <a:t>0652074	</a:t>
+            </a:r>
+            <a:r>
+              <a:rPr lang="zh-TW" altLang="en-US" dirty="0" smtClean="0"/>
+              <a:t>周登豐</a:t>
             </a:r>
             <a:endParaRPr lang="en-US" altLang="zh-TW" dirty="0"/>
           </a:p>
@@ -7488,19 +7499,20 @@
               <a:t>專案功能需求</a:t>
             </a:r>
             <a:r>
-              <a:rPr lang="en-US" altLang="zh-TW" dirty="0"/>
+              <a:rPr lang="en-US" altLang="zh-TW" dirty="0" smtClean="0"/>
               <a:t>-</a:t>
             </a:r>
             <a:r>
-              <a:rPr lang="zh-TW" altLang="en-US" dirty="0"/>
-              <a:t>效能需求</a:t>
-            </a:r>
+              <a:rPr lang="zh-TW" altLang="en-US" dirty="0" smtClean="0"/>
+              <a:t>限制需求</a:t>
+            </a:r>
+            <a:endParaRPr lang="zh-TW" altLang="en-US" dirty="0"/>
           </a:p>
         </p:txBody>
       </p:sp>
       <p:sp>
         <p:nvSpPr>
-          <p:cNvPr id="6" name="文本框 51">
+          <p:cNvPr id="7" name="文本框 51">
             <a:extLst>
               <a:ext uri="{FF2B5EF4-FFF2-40B4-BE49-F238E27FC236}">
                 <a16:creationId xmlns:a16="http://schemas.microsoft.com/office/drawing/2014/main" id="{86FD3623-FCAD-4724-A9AE-5264648A06B8}"/>
@@ -7512,8 +7524,8 @@
         </p:nvSpPr>
         <p:spPr>
           <a:xfrm>
-            <a:off x="1586507" y="1910964"/>
-            <a:ext cx="6730558" cy="3046988"/>
+            <a:off x="1626263" y="1924216"/>
+            <a:ext cx="6730558" cy="1483098"/>
           </a:xfrm>
           <a:prstGeom prst="rect">
             <a:avLst/>
@@ -7526,7 +7538,7 @@
           </a:bodyPr>
           <a:lstStyle/>
           <a:p>
-            <a:pPr lvl="1" indent="-457200">
+            <a:pPr marL="457200" indent="-457200">
               <a:lnSpc>
                 <a:spcPct val="150000"/>
               </a:lnSpc>
@@ -7534,7 +7546,7 @@
               <a:buChar char="•"/>
             </a:pPr>
             <a:r>
-              <a:rPr lang="en-US" altLang="zh-TW" sz="3200" dirty="0" smtClean="0">
+              <a:rPr lang="zh-TW" altLang="en-US" sz="3200" dirty="0">
                 <a:solidFill>
                   <a:schemeClr val="tx1">
                     <a:lumMod val="75000"/>
@@ -7543,57 +7555,67 @@
                 </a:solidFill>
                 <a:latin typeface="+mn-ea"/>
                 <a:cs typeface="+mn-ea"/>
+                <a:sym typeface="+mn-lt"/>
               </a:rPr>
-              <a:t>FPS&gt;60</a:t>
-            </a:r>
-          </a:p>
-          <a:p>
-            <a:pPr lvl="1" indent="-457200">
-              <a:lnSpc>
-                <a:spcPct val="150000"/>
-              </a:lnSpc>
-              <a:buFont typeface="Arial" panose="020B0604020202020204" pitchFamily="34" charset="0"/>
-              <a:buChar char="•"/>
-            </a:pPr>
+              <a:t>作業系統</a:t>
+            </a:r>
+            <a:r>
+              <a:rPr lang="en-US" altLang="zh-TW" sz="3200" dirty="0">
+                <a:solidFill>
+                  <a:schemeClr val="tx1">
+                    <a:lumMod val="75000"/>
+                    <a:lumOff val="25000"/>
+                  </a:schemeClr>
+                </a:solidFill>
+                <a:latin typeface="+mn-ea"/>
+                <a:cs typeface="+mn-ea"/>
+                <a:sym typeface="+mn-lt"/>
+              </a:rPr>
+              <a:t>:</a:t>
+            </a:r>
+            <a:r>
+              <a:rPr lang="zh-TW" altLang="en-US" sz="3200" dirty="0">
+                <a:solidFill>
+                  <a:schemeClr val="tx1">
+                    <a:lumMod val="75000"/>
+                    <a:lumOff val="25000"/>
+                  </a:schemeClr>
+                </a:solidFill>
+                <a:latin typeface="+mn-ea"/>
+                <a:cs typeface="+mn-ea"/>
+                <a:sym typeface="+mn-lt"/>
+              </a:rPr>
+              <a:t> </a:t>
+            </a:r>
+            <a:r>
+              <a:rPr lang="en-US" altLang="zh-TW" sz="3200" dirty="0">
+                <a:solidFill>
+                  <a:schemeClr val="tx1">
+                    <a:lumMod val="75000"/>
+                    <a:lumOff val="25000"/>
+                  </a:schemeClr>
+                </a:solidFill>
+                <a:latin typeface="+mn-ea"/>
+                <a:cs typeface="+mn-ea"/>
+                <a:sym typeface="+mn-lt"/>
+              </a:rPr>
+              <a:t>win10</a:t>
+            </a:r>
+            <a:r>
+              <a:rPr lang="zh-TW" altLang="en-US" sz="3200" dirty="0" smtClean="0">
+                <a:solidFill>
+                  <a:schemeClr val="tx1">
+                    <a:lumMod val="75000"/>
+                    <a:lumOff val="25000"/>
+                  </a:schemeClr>
+                </a:solidFill>
+                <a:latin typeface="+mn-ea"/>
+                <a:cs typeface="+mn-ea"/>
+                <a:sym typeface="+mn-lt"/>
+              </a:rPr>
+              <a:t>版本</a:t>
+            </a:r>
             <a:endParaRPr lang="en-US" altLang="zh-TW" sz="3200" dirty="0" smtClean="0">
-              <a:solidFill>
-                <a:schemeClr val="tx1">
-                  <a:lumMod val="75000"/>
-                  <a:lumOff val="25000"/>
-                </a:schemeClr>
-              </a:solidFill>
-              <a:latin typeface="+mn-ea"/>
-              <a:cs typeface="+mn-ea"/>
-            </a:endParaRPr>
-          </a:p>
-          <a:p>
-            <a:pPr lvl="1" indent="-457200">
-              <a:lnSpc>
-                <a:spcPct val="150000"/>
-              </a:lnSpc>
-              <a:buFont typeface="Arial" panose="020B0604020202020204" pitchFamily="34" charset="0"/>
-              <a:buChar char="•"/>
-            </a:pPr>
-            <a:endParaRPr lang="en-US" altLang="zh-TW" sz="3200" dirty="0" smtClean="0">
-              <a:solidFill>
-                <a:schemeClr val="tx1">
-                  <a:lumMod val="75000"/>
-                  <a:lumOff val="25000"/>
-                </a:schemeClr>
-              </a:solidFill>
-              <a:latin typeface="+mn-ea"/>
-              <a:cs typeface="+mn-ea"/>
-            </a:endParaRPr>
-          </a:p>
-          <a:p>
-            <a:pPr lvl="1" indent="-457200">
-              <a:lnSpc>
-                <a:spcPct val="150000"/>
-              </a:lnSpc>
-              <a:buFont typeface="Arial" panose="020B0604020202020204" pitchFamily="34" charset="0"/>
-              <a:buChar char="•"/>
-            </a:pPr>
-            <a:endParaRPr lang="en-US" altLang="zh-TW" sz="3200" dirty="0">
               <a:solidFill>
                 <a:schemeClr val="tx1">
                   <a:lumMod val="75000"/>
@@ -7604,6 +7626,57 @@
               <a:cs typeface="+mn-ea"/>
               <a:sym typeface="+mn-lt"/>
             </a:endParaRPr>
+          </a:p>
+          <a:p>
+            <a:pPr marL="457200" indent="-457200">
+              <a:lnSpc>
+                <a:spcPct val="150000"/>
+              </a:lnSpc>
+              <a:buFont typeface="Arial" panose="020B0604020202020204" pitchFamily="34" charset="0"/>
+              <a:buChar char="•"/>
+            </a:pPr>
+            <a:r>
+              <a:rPr lang="zh-TW" altLang="en-US" sz="3200" dirty="0" smtClean="0">
+                <a:solidFill>
+                  <a:schemeClr val="tx1">
+                    <a:lumMod val="75000"/>
+                    <a:lumOff val="25000"/>
+                  </a:schemeClr>
+                </a:solidFill>
+                <a:latin typeface="+mn-ea"/>
+                <a:cs typeface="+mn-ea"/>
+                <a:sym typeface="+mn-lt"/>
+              </a:rPr>
+              <a:t>軟體</a:t>
+            </a:r>
+            <a:r>
+              <a:rPr lang="zh-TW" altLang="en-US" sz="3200" dirty="0">
+                <a:solidFill>
+                  <a:schemeClr val="tx1">
+                    <a:lumMod val="75000"/>
+                    <a:lumOff val="25000"/>
+                  </a:schemeClr>
+                </a:solidFill>
+                <a:latin typeface="+mn-ea"/>
+                <a:cs typeface="+mn-ea"/>
+                <a:sym typeface="+mn-lt"/>
+              </a:rPr>
+              <a:t>版本</a:t>
+            </a:r>
+            <a:r>
+              <a:rPr lang="en-US" altLang="zh-TW" sz="3200" dirty="0">
+                <a:solidFill>
+                  <a:schemeClr val="tx1">
+                    <a:lumMod val="75000"/>
+                    <a:lumOff val="25000"/>
+                  </a:schemeClr>
+                </a:solidFill>
+                <a:latin typeface="+mn-ea"/>
+                <a:cs typeface="+mn-ea"/>
+                <a:sym typeface="+mn-lt"/>
+              </a:rPr>
+              <a:t>:python3.8</a:t>
+            </a:r>
           </a:p>
         </p:txBody>
       </p:sp>
@@ -7639,6 +7712,1282 @@
       </p:grpSpPr>
       <p:sp>
         <p:nvSpPr>
+          <p:cNvPr id="4" name="標題 1">
+            <a:extLst>
+              <a:ext uri="{FF2B5EF4-FFF2-40B4-BE49-F238E27FC236}">
+                <a16:creationId xmlns:a16="http://schemas.microsoft.com/office/drawing/2014/main" id="{C6FBB460-89A1-457F-B436-CF595FC7DF80}"/>
+              </a:ext>
+            </a:extLst>
+          </p:cNvPr>
+          <p:cNvSpPr>
+            <a:spLocks noGrp="1"/>
+          </p:cNvSpPr>
+          <p:nvPr>
+            <p:ph type="title"/>
+          </p:nvPr>
+        </p:nvSpPr>
+        <p:spPr>
+          <a:xfrm>
+            <a:off x="887607" y="668454"/>
+            <a:ext cx="10106733" cy="719494"/>
+          </a:xfrm>
+        </p:spPr>
+        <p:txBody>
+          <a:bodyPr>
+            <a:normAutofit fontScale="90000"/>
+          </a:bodyPr>
+          <a:lstStyle/>
+          <a:p>
+            <a:r>
+              <a:rPr lang="zh-TW" altLang="en-US" dirty="0"/>
+              <a:t>專案功能需求</a:t>
+            </a:r>
+            <a:r>
+              <a:rPr lang="en-US" altLang="zh-TW" dirty="0"/>
+              <a:t>-</a:t>
+            </a:r>
+            <a:r>
+              <a:rPr lang="zh-TW" altLang="en-US" dirty="0"/>
+              <a:t>效能需求</a:t>
+            </a:r>
+          </a:p>
+        </p:txBody>
+      </p:sp>
+      <p:sp>
+        <p:nvSpPr>
+          <p:cNvPr id="6" name="文本框 51">
+            <a:extLst>
+              <a:ext uri="{FF2B5EF4-FFF2-40B4-BE49-F238E27FC236}">
+                <a16:creationId xmlns:a16="http://schemas.microsoft.com/office/drawing/2014/main" id="{86FD3623-FCAD-4724-A9AE-5264648A06B8}"/>
+              </a:ext>
+            </a:extLst>
+          </p:cNvPr>
+          <p:cNvSpPr txBox="1"/>
+          <p:nvPr/>
+        </p:nvSpPr>
+        <p:spPr>
+          <a:xfrm>
+            <a:off x="1586507" y="1910964"/>
+            <a:ext cx="6730558" cy="3046988"/>
+          </a:xfrm>
+          <a:prstGeom prst="rect">
+            <a:avLst/>
+          </a:prstGeom>
+          <a:noFill/>
+        </p:spPr>
+        <p:txBody>
+          <a:bodyPr wrap="square" rtlCol="0">
+            <a:spAutoFit/>
+          </a:bodyPr>
+          <a:lstStyle/>
+          <a:p>
+            <a:pPr lvl="1" indent="-457200">
+              <a:lnSpc>
+                <a:spcPct val="150000"/>
+              </a:lnSpc>
+              <a:buFont typeface="Arial" panose="020B0604020202020204" pitchFamily="34" charset="0"/>
+              <a:buChar char="•"/>
+            </a:pPr>
+            <a:r>
+              <a:rPr lang="en-US" altLang="zh-TW" sz="3200" dirty="0" smtClean="0">
+                <a:solidFill>
+                  <a:schemeClr val="tx1">
+                    <a:lumMod val="75000"/>
+                    <a:lumOff val="25000"/>
+                  </a:schemeClr>
+                </a:solidFill>
+                <a:latin typeface="+mn-ea"/>
+                <a:cs typeface="+mn-ea"/>
+              </a:rPr>
+              <a:t>FPS&gt;60</a:t>
+            </a:r>
+          </a:p>
+          <a:p>
+            <a:pPr lvl="1" indent="-457200">
+              <a:lnSpc>
+                <a:spcPct val="150000"/>
+              </a:lnSpc>
+              <a:buFont typeface="Arial" panose="020B0604020202020204" pitchFamily="34" charset="0"/>
+              <a:buChar char="•"/>
+            </a:pPr>
+            <a:endParaRPr lang="en-US" altLang="zh-TW" sz="3200" dirty="0" smtClean="0">
+              <a:solidFill>
+                <a:schemeClr val="tx1">
+                  <a:lumMod val="75000"/>
+                  <a:lumOff val="25000"/>
+                </a:schemeClr>
+              </a:solidFill>
+              <a:latin typeface="+mn-ea"/>
+              <a:cs typeface="+mn-ea"/>
+            </a:endParaRPr>
+          </a:p>
+          <a:p>
+            <a:pPr lvl="1" indent="-457200">
+              <a:lnSpc>
+                <a:spcPct val="150000"/>
+              </a:lnSpc>
+              <a:buFont typeface="Arial" panose="020B0604020202020204" pitchFamily="34" charset="0"/>
+              <a:buChar char="•"/>
+            </a:pPr>
+            <a:endParaRPr lang="en-US" altLang="zh-TW" sz="3200" dirty="0" smtClean="0">
+              <a:solidFill>
+                <a:schemeClr val="tx1">
+                  <a:lumMod val="75000"/>
+                  <a:lumOff val="25000"/>
+                </a:schemeClr>
+              </a:solidFill>
+              <a:latin typeface="+mn-ea"/>
+              <a:cs typeface="+mn-ea"/>
+            </a:endParaRPr>
+          </a:p>
+          <a:p>
+            <a:pPr lvl="1" indent="-457200">
+              <a:lnSpc>
+                <a:spcPct val="150000"/>
+              </a:lnSpc>
+              <a:buFont typeface="Arial" panose="020B0604020202020204" pitchFamily="34" charset="0"/>
+              <a:buChar char="•"/>
+            </a:pPr>
+            <a:endParaRPr lang="en-US" altLang="zh-TW" sz="3200" dirty="0">
+              <a:solidFill>
+                <a:schemeClr val="tx1">
+                  <a:lumMod val="75000"/>
+                  <a:lumOff val="25000"/>
+                </a:schemeClr>
+              </a:solidFill>
+              <a:latin typeface="+mn-ea"/>
+              <a:cs typeface="+mn-ea"/>
+              <a:sym typeface="+mn-lt"/>
+            </a:endParaRPr>
+          </a:p>
+        </p:txBody>
+      </p:sp>
+    </p:spTree>
+    <p:extLst>
+      <p:ext uri="{BB962C8B-B14F-4D97-AF65-F5344CB8AC3E}">
+        <p14:creationId xmlns:p14="http://schemas.microsoft.com/office/powerpoint/2010/main" val="3586705822"/>
+      </p:ext>
+    </p:extLst>
+  </p:cSld>
+  <p:clrMapOvr>
+    <a:masterClrMapping/>
+  </p:clrMapOvr>
+</p:sld>
+</file>
+
+<file path=ppt/slides/slide4.xml><?xml version="1.0" encoding="utf-8"?>
+<p:sld xmlns:a="http://schemas.openxmlformats.org/drawingml/2006/main" xmlns:r="http://schemas.openxmlformats.org/officeDocument/2006/relationships" xmlns:p="http://schemas.openxmlformats.org/presentationml/2006/main">
+  <p:cSld>
+    <p:spTree>
+      <p:nvGrpSpPr>
+        <p:cNvPr id="1" name=""/>
+        <p:cNvGrpSpPr/>
+        <p:nvPr/>
+      </p:nvGrpSpPr>
+      <p:grpSpPr>
+        <a:xfrm>
+          <a:off x="0" y="0"/>
+          <a:ext cx="0" cy="0"/>
+          <a:chOff x="0" y="0"/>
+          <a:chExt cx="0" cy="0"/>
+        </a:xfrm>
+      </p:grpSpPr>
+      <p:sp>
+        <p:nvSpPr>
+          <p:cNvPr id="4" name="標題 1">
+            <a:extLst>
+              <a:ext uri="{FF2B5EF4-FFF2-40B4-BE49-F238E27FC236}">
+                <a16:creationId xmlns:a16="http://schemas.microsoft.com/office/drawing/2014/main" id="{C6FBB460-89A1-457F-B436-CF595FC7DF80}"/>
+              </a:ext>
+            </a:extLst>
+          </p:cNvPr>
+          <p:cNvSpPr>
+            <a:spLocks noGrp="1"/>
+          </p:cNvSpPr>
+          <p:nvPr>
+            <p:ph type="title"/>
+          </p:nvPr>
+        </p:nvSpPr>
+        <p:spPr>
+          <a:xfrm>
+            <a:off x="887607" y="668454"/>
+            <a:ext cx="10106733" cy="719494"/>
+          </a:xfrm>
+        </p:spPr>
+        <p:txBody>
+          <a:bodyPr>
+            <a:normAutofit fontScale="90000"/>
+          </a:bodyPr>
+          <a:lstStyle/>
+          <a:p>
+            <a:r>
+              <a:rPr lang="zh-TW" altLang="en-US" dirty="0"/>
+              <a:t>專案功能需求</a:t>
+            </a:r>
+            <a:r>
+              <a:rPr lang="en-US" altLang="zh-TW" dirty="0" smtClean="0"/>
+              <a:t>-</a:t>
+            </a:r>
+            <a:r>
+              <a:rPr lang="zh-TW" altLang="en-US" dirty="0" smtClean="0"/>
+              <a:t>介面需求</a:t>
+            </a:r>
+            <a:endParaRPr lang="zh-TW" altLang="en-US" dirty="0"/>
+          </a:p>
+        </p:txBody>
+      </p:sp>
+      <p:pic>
+        <p:nvPicPr>
+          <p:cNvPr id="5" name="內容版面配置區 4">
+            <a:extLst>
+              <a:ext uri="{FF2B5EF4-FFF2-40B4-BE49-F238E27FC236}">
+                <a16:creationId xmlns:a16="http://schemas.microsoft.com/office/drawing/2014/main" id="{E2E0BB6D-8005-4653-A1C7-6871493975B1}"/>
+              </a:ext>
+            </a:extLst>
+          </p:cNvPr>
+          <p:cNvPicPr>
+            <a:picLocks noGrp="1" noChangeAspect="1"/>
+          </p:cNvPicPr>
+          <p:nvPr>
+            <p:ph idx="1"/>
+          </p:nvPr>
+        </p:nvPicPr>
+        <p:blipFill rotWithShape="1">
+          <a:blip r:embed="rId2"/>
+          <a:srcRect t="14730" b="6651"/>
+          <a:stretch/>
+        </p:blipFill>
+        <p:spPr>
+          <a:xfrm>
+            <a:off x="9553575" y="2400669"/>
+            <a:ext cx="1800225" cy="3796642"/>
+          </a:xfrm>
+          <a:prstGeom prst="rect">
+            <a:avLst/>
+          </a:prstGeom>
+        </p:spPr>
+      </p:pic>
+      <p:sp>
+        <p:nvSpPr>
+          <p:cNvPr id="7" name="內容版面配置區 1">
+            <a:extLst>
+              <a:ext uri="{FF2B5EF4-FFF2-40B4-BE49-F238E27FC236}">
+                <a16:creationId xmlns:a16="http://schemas.microsoft.com/office/drawing/2014/main" id="{571EA864-5942-45FA-BEAF-DFFE80A9B2A0}"/>
+              </a:ext>
+            </a:extLst>
+          </p:cNvPr>
+          <p:cNvSpPr txBox="1">
+            <a:spLocks/>
+          </p:cNvSpPr>
+          <p:nvPr/>
+        </p:nvSpPr>
+        <p:spPr>
+          <a:xfrm>
+            <a:off x="838200" y="1585030"/>
+            <a:ext cx="8633604" cy="5037776"/>
+          </a:xfrm>
+          <a:prstGeom prst="rect">
+            <a:avLst/>
+          </a:prstGeom>
+        </p:spPr>
+        <p:txBody>
+          <a:bodyPr vert="horz" lIns="91440" tIns="45720" rIns="91440" bIns="45720" rtlCol="0">
+            <a:normAutofit/>
+          </a:bodyPr>
+          <a:lstStyle>
+            <a:lvl1pPr marL="144000" indent="-144000" algn="l" defTabSz="914400" rtl="0" eaLnBrk="1" latinLnBrk="0" hangingPunct="0">
+              <a:lnSpc>
+                <a:spcPct val="90000"/>
+              </a:lnSpc>
+              <a:spcBef>
+                <a:spcPts val="300"/>
+              </a:spcBef>
+              <a:buFont typeface="Arial" panose="020B0604020202020204" pitchFamily="34" charset="0"/>
+              <a:buChar char="•"/>
+              <a:defRPr sz="1600" kern="1200" baseline="0">
+                <a:solidFill>
+                  <a:schemeClr val="tx1"/>
+                </a:solidFill>
+                <a:latin typeface="Times New Roman" panose="02020603050405020304" pitchFamily="18" charset="0"/>
+                <a:ea typeface="標楷體" panose="03000509000000000000" pitchFamily="65" charset="-120"/>
+                <a:cs typeface="+mn-cs"/>
+              </a:defRPr>
+            </a:lvl1pPr>
+            <a:lvl2pPr marL="685800" indent="-228600" algn="l" defTabSz="914400" rtl="0" eaLnBrk="1" latinLnBrk="0" hangingPunct="0">
+              <a:lnSpc>
+                <a:spcPct val="90000"/>
+              </a:lnSpc>
+              <a:spcBef>
+                <a:spcPts val="300"/>
+              </a:spcBef>
+              <a:buFont typeface="Arial" panose="020B0604020202020204" pitchFamily="34" charset="0"/>
+              <a:buChar char="•"/>
+              <a:defRPr sz="1600" kern="1200" baseline="0">
+                <a:solidFill>
+                  <a:schemeClr val="tx1"/>
+                </a:solidFill>
+                <a:latin typeface="Times New Roman" panose="02020603050405020304" pitchFamily="18" charset="0"/>
+                <a:ea typeface="標楷體" panose="03000509000000000000" pitchFamily="65" charset="-120"/>
+                <a:cs typeface="+mn-cs"/>
+              </a:defRPr>
+            </a:lvl2pPr>
+            <a:lvl3pPr marL="1143000" indent="-228600" algn="l" defTabSz="914400" rtl="0" eaLnBrk="1" latinLnBrk="0" hangingPunct="0">
+              <a:lnSpc>
+                <a:spcPct val="90000"/>
+              </a:lnSpc>
+              <a:spcBef>
+                <a:spcPts val="300"/>
+              </a:spcBef>
+              <a:buFont typeface="Arial" panose="020B0604020202020204" pitchFamily="34" charset="0"/>
+              <a:buChar char="•"/>
+              <a:defRPr sz="1600" kern="1200" baseline="0">
+                <a:solidFill>
+                  <a:schemeClr val="tx1"/>
+                </a:solidFill>
+                <a:latin typeface="Times New Roman" panose="02020603050405020304" pitchFamily="18" charset="0"/>
+                <a:ea typeface="標楷體" panose="03000509000000000000" pitchFamily="65" charset="-120"/>
+                <a:cs typeface="+mn-cs"/>
+              </a:defRPr>
+            </a:lvl3pPr>
+            <a:lvl4pPr marL="1600200" indent="-228600" algn="l" defTabSz="914400" rtl="0" eaLnBrk="1" latinLnBrk="0" hangingPunct="0">
+              <a:lnSpc>
+                <a:spcPct val="90000"/>
+              </a:lnSpc>
+              <a:spcBef>
+                <a:spcPts val="300"/>
+              </a:spcBef>
+              <a:buFont typeface="Arial" panose="020B0604020202020204" pitchFamily="34" charset="0"/>
+              <a:buChar char="•"/>
+              <a:defRPr sz="1600" kern="1200" baseline="0">
+                <a:solidFill>
+                  <a:schemeClr val="tx1"/>
+                </a:solidFill>
+                <a:latin typeface="Times New Roman" panose="02020603050405020304" pitchFamily="18" charset="0"/>
+                <a:ea typeface="標楷體" panose="03000509000000000000" pitchFamily="65" charset="-120"/>
+                <a:cs typeface="+mn-cs"/>
+              </a:defRPr>
+            </a:lvl4pPr>
+            <a:lvl5pPr marL="2057400" indent="-228600" algn="l" defTabSz="914400" rtl="0" eaLnBrk="1" latinLnBrk="0" hangingPunct="0">
+              <a:lnSpc>
+                <a:spcPct val="90000"/>
+              </a:lnSpc>
+              <a:spcBef>
+                <a:spcPts val="300"/>
+              </a:spcBef>
+              <a:buFont typeface="Arial" panose="020B0604020202020204" pitchFamily="34" charset="0"/>
+              <a:buChar char="•"/>
+              <a:defRPr sz="1600" kern="1200" baseline="0">
+                <a:solidFill>
+                  <a:schemeClr val="tx1"/>
+                </a:solidFill>
+                <a:latin typeface="Times New Roman" panose="02020603050405020304" pitchFamily="18" charset="0"/>
+                <a:ea typeface="標楷體" panose="03000509000000000000" pitchFamily="65" charset="-120"/>
+                <a:cs typeface="+mn-cs"/>
+              </a:defRPr>
+            </a:lvl5pPr>
+            <a:lvl6pPr marL="2514600" indent="-228600" algn="l" defTabSz="914400" rtl="0" eaLnBrk="1" latinLnBrk="0" hangingPunct="1">
+              <a:lnSpc>
+                <a:spcPct val="90000"/>
+              </a:lnSpc>
+              <a:spcBef>
+                <a:spcPts val="500"/>
+              </a:spcBef>
+              <a:buFont typeface="Arial" panose="020B0604020202020204" pitchFamily="34" charset="0"/>
+              <a:buChar char="•"/>
+              <a:defRPr sz="1800" kern="1200">
+                <a:solidFill>
+                  <a:schemeClr val="tx1"/>
+                </a:solidFill>
+                <a:latin typeface="+mn-lt"/>
+                <a:ea typeface="+mn-ea"/>
+                <a:cs typeface="+mn-cs"/>
+              </a:defRPr>
+            </a:lvl6pPr>
+            <a:lvl7pPr marL="2971800" indent="-228600" algn="l" defTabSz="914400" rtl="0" eaLnBrk="1" latinLnBrk="0" hangingPunct="1">
+              <a:lnSpc>
+                <a:spcPct val="90000"/>
+              </a:lnSpc>
+              <a:spcBef>
+                <a:spcPts val="500"/>
+              </a:spcBef>
+              <a:buFont typeface="Arial" panose="020B0604020202020204" pitchFamily="34" charset="0"/>
+              <a:buChar char="•"/>
+              <a:defRPr sz="1800" kern="1200">
+                <a:solidFill>
+                  <a:schemeClr val="tx1"/>
+                </a:solidFill>
+                <a:latin typeface="+mn-lt"/>
+                <a:ea typeface="+mn-ea"/>
+                <a:cs typeface="+mn-cs"/>
+              </a:defRPr>
+            </a:lvl7pPr>
+            <a:lvl8pPr marL="3429000" indent="-228600" algn="l" defTabSz="914400" rtl="0" eaLnBrk="1" latinLnBrk="0" hangingPunct="1">
+              <a:lnSpc>
+                <a:spcPct val="90000"/>
+              </a:lnSpc>
+              <a:spcBef>
+                <a:spcPts val="500"/>
+              </a:spcBef>
+              <a:buFont typeface="Arial" panose="020B0604020202020204" pitchFamily="34" charset="0"/>
+              <a:buChar char="•"/>
+              <a:defRPr sz="1800" kern="1200">
+                <a:solidFill>
+                  <a:schemeClr val="tx1"/>
+                </a:solidFill>
+                <a:latin typeface="+mn-lt"/>
+                <a:ea typeface="+mn-ea"/>
+                <a:cs typeface="+mn-cs"/>
+              </a:defRPr>
+            </a:lvl8pPr>
+            <a:lvl9pPr marL="3886200" indent="-228600" algn="l" defTabSz="914400" rtl="0" eaLnBrk="1" latinLnBrk="0" hangingPunct="1">
+              <a:lnSpc>
+                <a:spcPct val="90000"/>
+              </a:lnSpc>
+              <a:spcBef>
+                <a:spcPts val="500"/>
+              </a:spcBef>
+              <a:buFont typeface="Arial" panose="020B0604020202020204" pitchFamily="34" charset="0"/>
+              <a:buChar char="•"/>
+              <a:defRPr sz="1800" kern="1200">
+                <a:solidFill>
+                  <a:schemeClr val="tx1"/>
+                </a:solidFill>
+                <a:latin typeface="+mn-lt"/>
+                <a:ea typeface="+mn-ea"/>
+                <a:cs typeface="+mn-cs"/>
+              </a:defRPr>
+            </a:lvl9pPr>
+          </a:lstStyle>
+          <a:p>
+            <a:pPr>
+              <a:lnSpc>
+                <a:spcPct val="100000"/>
+              </a:lnSpc>
+            </a:pPr>
+            <a:r>
+              <a:rPr lang="zh-TW" altLang="en-US" dirty="0">
+                <a:latin typeface="Microsoft JhengHei UI" panose="020B0604030504040204" pitchFamily="34" charset="-120"/>
+                <a:ea typeface="Microsoft JhengHei UI" panose="020B0604030504040204" pitchFamily="34" charset="-120"/>
+              </a:rPr>
+              <a:t>遊戲座標：</a:t>
+            </a:r>
+            <a:endParaRPr lang="en-US" altLang="zh-TW" dirty="0">
+              <a:latin typeface="Microsoft JhengHei UI" panose="020B0604030504040204" pitchFamily="34" charset="-120"/>
+              <a:ea typeface="Microsoft JhengHei UI" panose="020B0604030504040204" pitchFamily="34" charset="-120"/>
+            </a:endParaRPr>
+          </a:p>
+          <a:p>
+            <a:pPr lvl="1">
+              <a:lnSpc>
+                <a:spcPct val="100000"/>
+              </a:lnSpc>
+            </a:pPr>
+            <a:r>
+              <a:rPr lang="en-US" altLang="zh-TW" dirty="0">
+                <a:latin typeface="Microsoft JhengHei UI" panose="020B0604030504040204" pitchFamily="34" charset="-120"/>
+                <a:ea typeface="Microsoft JhengHei UI" panose="020B0604030504040204" pitchFamily="34" charset="-120"/>
+              </a:rPr>
+              <a:t>200</a:t>
+            </a:r>
+            <a:r>
+              <a:rPr lang="zh-TW" altLang="en-US" dirty="0">
+                <a:latin typeface="Microsoft JhengHei UI" panose="020B0604030504040204" pitchFamily="34" charset="-120"/>
+                <a:ea typeface="Microsoft JhengHei UI" panose="020B0604030504040204" pitchFamily="34" charset="-120"/>
+              </a:rPr>
+              <a:t> * </a:t>
+            </a:r>
+            <a:r>
+              <a:rPr lang="en-US" altLang="zh-TW" dirty="0">
+                <a:latin typeface="Microsoft JhengHei UI" panose="020B0604030504040204" pitchFamily="34" charset="-120"/>
+                <a:ea typeface="Microsoft JhengHei UI" panose="020B0604030504040204" pitchFamily="34" charset="-120"/>
+              </a:rPr>
+              <a:t>500</a:t>
+            </a:r>
+            <a:r>
+              <a:rPr lang="zh-TW" altLang="en-US" dirty="0">
+                <a:latin typeface="Microsoft JhengHei UI" panose="020B0604030504040204" pitchFamily="34" charset="-120"/>
+                <a:ea typeface="Microsoft JhengHei UI" panose="020B0604030504040204" pitchFamily="34" charset="-120"/>
+              </a:rPr>
+              <a:t> </a:t>
+            </a:r>
+            <a:r>
+              <a:rPr lang="en-US" altLang="zh-TW" dirty="0">
+                <a:latin typeface="Microsoft JhengHei UI" panose="020B0604030504040204" pitchFamily="34" charset="-120"/>
+                <a:ea typeface="Microsoft JhengHei UI" panose="020B0604030504040204" pitchFamily="34" charset="-120"/>
+              </a:rPr>
+              <a:t>pixels</a:t>
+            </a:r>
+          </a:p>
+          <a:p>
+            <a:pPr>
+              <a:lnSpc>
+                <a:spcPct val="100000"/>
+              </a:lnSpc>
+            </a:pPr>
+            <a:r>
+              <a:rPr lang="zh-TW" altLang="en-US" dirty="0">
+                <a:latin typeface="Microsoft JhengHei UI" panose="020B0604030504040204" pitchFamily="34" charset="-120"/>
+                <a:ea typeface="Microsoft JhengHei UI" panose="020B0604030504040204" pitchFamily="34" charset="-120"/>
+              </a:rPr>
+              <a:t>玩家：</a:t>
+            </a:r>
+            <a:endParaRPr lang="en-US" altLang="zh-TW" dirty="0">
+              <a:latin typeface="Microsoft JhengHei UI" panose="020B0604030504040204" pitchFamily="34" charset="-120"/>
+              <a:ea typeface="Microsoft JhengHei UI" panose="020B0604030504040204" pitchFamily="34" charset="-120"/>
+            </a:endParaRPr>
+          </a:p>
+          <a:p>
+            <a:pPr lvl="1">
+              <a:lnSpc>
+                <a:spcPct val="100000"/>
+              </a:lnSpc>
+            </a:pPr>
+            <a:r>
+              <a:rPr lang="en-US" altLang="zh-TW" dirty="0">
+                <a:latin typeface="Microsoft JhengHei UI" panose="020B0604030504040204" pitchFamily="34" charset="-120"/>
+                <a:ea typeface="Microsoft JhengHei UI" panose="020B0604030504040204" pitchFamily="34" charset="-120"/>
+              </a:rPr>
+              <a:t>1P</a:t>
+            </a:r>
+            <a:r>
+              <a:rPr lang="zh-TW" altLang="en-US" dirty="0">
+                <a:latin typeface="Microsoft JhengHei UI" panose="020B0604030504040204" pitchFamily="34" charset="-120"/>
+                <a:ea typeface="Microsoft JhengHei UI" panose="020B0604030504040204" pitchFamily="34" charset="-120"/>
+              </a:rPr>
+              <a:t>在上，</a:t>
+            </a:r>
+            <a:r>
+              <a:rPr lang="en-US" altLang="zh-TW" dirty="0">
+                <a:latin typeface="Microsoft JhengHei UI" panose="020B0604030504040204" pitchFamily="34" charset="-120"/>
+                <a:ea typeface="Microsoft JhengHei UI" panose="020B0604030504040204" pitchFamily="34" charset="-120"/>
+              </a:rPr>
+              <a:t>2P</a:t>
+            </a:r>
+            <a:r>
+              <a:rPr lang="zh-TW" altLang="en-US" dirty="0">
+                <a:latin typeface="Microsoft JhengHei UI" panose="020B0604030504040204" pitchFamily="34" charset="-120"/>
+                <a:ea typeface="Microsoft JhengHei UI" panose="020B0604030504040204" pitchFamily="34" charset="-120"/>
+              </a:rPr>
+              <a:t>在下</a:t>
+            </a:r>
+            <a:endParaRPr lang="en-US" altLang="zh-TW" dirty="0">
+              <a:latin typeface="Microsoft JhengHei UI" panose="020B0604030504040204" pitchFamily="34" charset="-120"/>
+              <a:ea typeface="Microsoft JhengHei UI" panose="020B0604030504040204" pitchFamily="34" charset="-120"/>
+            </a:endParaRPr>
+          </a:p>
+          <a:p>
+            <a:pPr marL="142875" indent="-142875">
+              <a:lnSpc>
+                <a:spcPct val="100000"/>
+              </a:lnSpc>
+            </a:pPr>
+            <a:r>
+              <a:rPr lang="zh-TW" altLang="en-US" dirty="0">
+                <a:latin typeface="Microsoft JhengHei UI" panose="020B0604030504040204" pitchFamily="34" charset="-120"/>
+                <a:ea typeface="Microsoft JhengHei UI" panose="020B0604030504040204" pitchFamily="34" charset="-120"/>
+              </a:rPr>
+              <a:t>球：</a:t>
+            </a:r>
+          </a:p>
+          <a:p>
+            <a:pPr lvl="1">
+              <a:lnSpc>
+                <a:spcPct val="100000"/>
+              </a:lnSpc>
+            </a:pPr>
+            <a:r>
+              <a:rPr lang="zh-TW" altLang="en-US" dirty="0">
+                <a:latin typeface="Microsoft JhengHei UI" panose="020B0604030504040204" pitchFamily="34" charset="-120"/>
+                <a:ea typeface="Microsoft JhengHei UI" panose="020B0604030504040204" pitchFamily="34" charset="-120"/>
+              </a:rPr>
+              <a:t>球是一個</a:t>
+            </a:r>
+            <a:r>
+              <a:rPr lang="en-US" altLang="zh-TW" dirty="0">
+                <a:latin typeface="Microsoft JhengHei UI" panose="020B0604030504040204" pitchFamily="34" charset="-120"/>
+                <a:ea typeface="Microsoft JhengHei UI" panose="020B0604030504040204" pitchFamily="34" charset="-120"/>
+              </a:rPr>
+              <a:t>5 x 5</a:t>
+            </a:r>
+            <a:r>
+              <a:rPr lang="zh-TW" altLang="en-US" dirty="0">
+                <a:latin typeface="Microsoft JhengHei UI" panose="020B0604030504040204" pitchFamily="34" charset="-120"/>
+                <a:ea typeface="Microsoft JhengHei UI" panose="020B0604030504040204" pitchFamily="34" charset="-120"/>
+              </a:rPr>
+              <a:t>像素的綠色方塊。</a:t>
+            </a:r>
+          </a:p>
+          <a:p>
+            <a:pPr lvl="1">
+              <a:lnSpc>
+                <a:spcPct val="100000"/>
+              </a:lnSpc>
+            </a:pPr>
+            <a:r>
+              <a:rPr lang="zh-TW" altLang="en-US" dirty="0">
+                <a:latin typeface="Microsoft JhengHei UI" panose="020B0604030504040204" pitchFamily="34" charset="-120"/>
+                <a:ea typeface="Microsoft JhengHei UI" panose="020B0604030504040204" pitchFamily="34" charset="-120"/>
+              </a:rPr>
+              <a:t>球將首先從</a:t>
+            </a:r>
+            <a:r>
+              <a:rPr lang="en-US" altLang="zh-TW" dirty="0">
+                <a:latin typeface="Microsoft JhengHei UI" panose="020B0604030504040204" pitchFamily="34" charset="-120"/>
+                <a:ea typeface="Microsoft JhengHei UI" panose="020B0604030504040204" pitchFamily="34" charset="-120"/>
+              </a:rPr>
+              <a:t>1P</a:t>
+            </a:r>
+            <a:r>
+              <a:rPr lang="zh-TW" altLang="en-US" dirty="0">
+                <a:latin typeface="Microsoft JhengHei UI" panose="020B0604030504040204" pitchFamily="34" charset="-120"/>
+                <a:ea typeface="Microsoft JhengHei UI" panose="020B0604030504040204" pitchFamily="34" charset="-120"/>
+              </a:rPr>
+              <a:t>一側發球，然後每輪改變一次。</a:t>
+            </a:r>
+          </a:p>
+          <a:p>
+            <a:pPr lvl="1">
+              <a:lnSpc>
+                <a:spcPct val="100000"/>
+              </a:lnSpc>
+            </a:pPr>
+            <a:r>
+              <a:rPr lang="zh-TW" altLang="en-US" dirty="0">
+                <a:latin typeface="Microsoft JhengHei UI" panose="020B0604030504040204" pitchFamily="34" charset="-120"/>
+                <a:ea typeface="Microsoft JhengHei UI" panose="020B0604030504040204" pitchFamily="34" charset="-120"/>
+              </a:rPr>
+              <a:t>球從平台上發球，可以向左或向右發球。如果未在</a:t>
+            </a:r>
+            <a:r>
+              <a:rPr lang="en-US" altLang="zh-TW" dirty="0">
+                <a:latin typeface="Microsoft JhengHei UI" panose="020B0604030504040204" pitchFamily="34" charset="-120"/>
+                <a:ea typeface="Microsoft JhengHei UI" panose="020B0604030504040204" pitchFamily="34" charset="-120"/>
+              </a:rPr>
+              <a:t>150</a:t>
+            </a:r>
+            <a:r>
+              <a:rPr lang="zh-TW" altLang="en-US" dirty="0">
+                <a:latin typeface="Microsoft JhengHei UI" panose="020B0604030504040204" pitchFamily="34" charset="-120"/>
+                <a:ea typeface="Microsoft JhengHei UI" panose="020B0604030504040204" pitchFamily="34" charset="-120"/>
+              </a:rPr>
+              <a:t>幀內發球，則會自動向隨機方向發球。</a:t>
+            </a:r>
+          </a:p>
+          <a:p>
+            <a:pPr lvl="1">
+              <a:lnSpc>
+                <a:spcPct val="100000"/>
+              </a:lnSpc>
+            </a:pPr>
+            <a:r>
+              <a:rPr lang="zh-TW" altLang="en-US" dirty="0">
+                <a:latin typeface="Microsoft JhengHei UI" panose="020B0604030504040204" pitchFamily="34" charset="-120"/>
+                <a:ea typeface="Microsoft JhengHei UI" panose="020B0604030504040204" pitchFamily="34" charset="-120"/>
+              </a:rPr>
+              <a:t>初始移動速度為每幀（</a:t>
+            </a:r>
+            <a:r>
+              <a:rPr lang="en-US" altLang="zh-TW" dirty="0">
+                <a:latin typeface="Microsoft JhengHei UI" panose="020B0604030504040204" pitchFamily="34" charset="-120"/>
+                <a:ea typeface="Microsoft JhengHei UI" panose="020B0604030504040204" pitchFamily="34" charset="-120"/>
+              </a:rPr>
+              <a:t>±7</a:t>
+            </a:r>
+            <a:r>
+              <a:rPr lang="zh-TW" altLang="en-US" dirty="0">
+                <a:latin typeface="Microsoft JhengHei UI" panose="020B0604030504040204" pitchFamily="34" charset="-120"/>
+                <a:ea typeface="Microsoft JhengHei UI" panose="020B0604030504040204" pitchFamily="34" charset="-120"/>
+              </a:rPr>
+              <a:t>，</a:t>
+            </a:r>
+            <a:r>
+              <a:rPr lang="en-US" altLang="zh-TW" dirty="0">
+                <a:latin typeface="Microsoft JhengHei UI" panose="020B0604030504040204" pitchFamily="34" charset="-120"/>
+                <a:ea typeface="Microsoft JhengHei UI" panose="020B0604030504040204" pitchFamily="34" charset="-120"/>
+              </a:rPr>
+              <a:t>±7</a:t>
+            </a:r>
+            <a:r>
+              <a:rPr lang="zh-TW" altLang="en-US" dirty="0">
+                <a:latin typeface="Microsoft JhengHei UI" panose="020B0604030504040204" pitchFamily="34" charset="-120"/>
+                <a:ea typeface="Microsoft JhengHei UI" panose="020B0604030504040204" pitchFamily="34" charset="-120"/>
+              </a:rPr>
+              <a:t>）像素，發球後每</a:t>
+            </a:r>
+            <a:r>
+              <a:rPr lang="en-US" altLang="zh-TW" dirty="0">
+                <a:latin typeface="Microsoft JhengHei UI" panose="020B0604030504040204" pitchFamily="34" charset="-120"/>
+                <a:ea typeface="Microsoft JhengHei UI" panose="020B0604030504040204" pitchFamily="34" charset="-120"/>
+              </a:rPr>
+              <a:t>100</a:t>
+            </a:r>
+            <a:r>
+              <a:rPr lang="zh-TW" altLang="en-US" dirty="0">
+                <a:latin typeface="Microsoft JhengHei UI" panose="020B0604030504040204" pitchFamily="34" charset="-120"/>
+                <a:ea typeface="Microsoft JhengHei UI" panose="020B0604030504040204" pitchFamily="34" charset="-120"/>
+              </a:rPr>
+              <a:t>幀增加一次。</a:t>
+            </a:r>
+            <a:endParaRPr lang="en-US" altLang="zh-TW" dirty="0">
+              <a:latin typeface="Microsoft JhengHei UI" panose="020B0604030504040204" pitchFamily="34" charset="-120"/>
+              <a:ea typeface="Microsoft JhengHei UI" panose="020B0604030504040204" pitchFamily="34" charset="-120"/>
+            </a:endParaRPr>
+          </a:p>
+          <a:p>
+            <a:pPr marL="146050" lvl="1" indent="-146050">
+              <a:lnSpc>
+                <a:spcPct val="100000"/>
+              </a:lnSpc>
+            </a:pPr>
+            <a:r>
+              <a:rPr lang="zh-TW" altLang="en-US" dirty="0">
+                <a:latin typeface="Microsoft JhengHei UI" panose="020B0604030504040204" pitchFamily="34" charset="-120"/>
+                <a:ea typeface="Microsoft JhengHei UI" panose="020B0604030504040204" pitchFamily="34" charset="-120"/>
+              </a:rPr>
+              <a:t>平台：</a:t>
+            </a:r>
+            <a:endParaRPr lang="en-US" altLang="zh-TW" dirty="0">
+              <a:latin typeface="Microsoft JhengHei UI" panose="020B0604030504040204" pitchFamily="34" charset="-120"/>
+              <a:ea typeface="Microsoft JhengHei UI" panose="020B0604030504040204" pitchFamily="34" charset="-120"/>
+            </a:endParaRPr>
+          </a:p>
+          <a:p>
+            <a:pPr lvl="1">
+              <a:lnSpc>
+                <a:spcPct val="100000"/>
+              </a:lnSpc>
+            </a:pPr>
+            <a:r>
+              <a:rPr lang="zh-TW" altLang="en-US" dirty="0">
+                <a:latin typeface="Microsoft JhengHei UI" panose="020B0604030504040204" pitchFamily="34" charset="-120"/>
+                <a:ea typeface="Microsoft JhengHei UI" panose="020B0604030504040204" pitchFamily="34" charset="-120"/>
+              </a:rPr>
+              <a:t>該平台是一個</a:t>
+            </a:r>
+            <a:r>
+              <a:rPr lang="en-US" altLang="zh-TW" dirty="0">
+                <a:latin typeface="Microsoft JhengHei UI" panose="020B0604030504040204" pitchFamily="34" charset="-120"/>
+                <a:ea typeface="Microsoft JhengHei UI" panose="020B0604030504040204" pitchFamily="34" charset="-120"/>
+              </a:rPr>
+              <a:t>40 x 30 pixels</a:t>
+            </a:r>
+            <a:r>
+              <a:rPr lang="zh-TW" altLang="en-US" dirty="0">
+                <a:latin typeface="Microsoft JhengHei UI" panose="020B0604030504040204" pitchFamily="34" charset="-120"/>
+                <a:ea typeface="Microsoft JhengHei UI" panose="020B0604030504040204" pitchFamily="34" charset="-120"/>
+              </a:rPr>
+              <a:t>的矩形。</a:t>
+            </a:r>
+          </a:p>
+          <a:p>
+            <a:pPr lvl="1">
+              <a:lnSpc>
+                <a:spcPct val="100000"/>
+              </a:lnSpc>
+            </a:pPr>
+            <a:r>
+              <a:rPr lang="en-US" altLang="zh-TW" dirty="0">
+                <a:latin typeface="Microsoft JhengHei UI" panose="020B0604030504040204" pitchFamily="34" charset="-120"/>
+                <a:ea typeface="Microsoft JhengHei UI" panose="020B0604030504040204" pitchFamily="34" charset="-120"/>
+              </a:rPr>
+              <a:t>1P</a:t>
+            </a:r>
+            <a:r>
+              <a:rPr lang="zh-TW" altLang="en-US" dirty="0">
+                <a:latin typeface="Microsoft JhengHei UI" panose="020B0604030504040204" pitchFamily="34" charset="-120"/>
+                <a:ea typeface="Microsoft JhengHei UI" panose="020B0604030504040204" pitchFamily="34" charset="-120"/>
+              </a:rPr>
+              <a:t>平台的顏色為藍色，</a:t>
+            </a:r>
+            <a:r>
+              <a:rPr lang="en-US" altLang="zh-TW" dirty="0">
+                <a:latin typeface="Microsoft JhengHei UI" panose="020B0604030504040204" pitchFamily="34" charset="-120"/>
+                <a:ea typeface="Microsoft JhengHei UI" panose="020B0604030504040204" pitchFamily="34" charset="-120"/>
+              </a:rPr>
+              <a:t>2P</a:t>
+            </a:r>
+            <a:r>
+              <a:rPr lang="zh-TW" altLang="en-US" dirty="0">
+                <a:latin typeface="Microsoft JhengHei UI" panose="020B0604030504040204" pitchFamily="34" charset="-120"/>
+                <a:ea typeface="Microsoft JhengHei UI" panose="020B0604030504040204" pitchFamily="34" charset="-120"/>
+              </a:rPr>
+              <a:t>平台的顏色為紅色。</a:t>
+            </a:r>
+          </a:p>
+          <a:p>
+            <a:pPr lvl="1">
+              <a:lnSpc>
+                <a:spcPct val="100000"/>
+              </a:lnSpc>
+            </a:pPr>
+            <a:r>
+              <a:rPr lang="zh-TW" altLang="en-US" dirty="0">
+                <a:latin typeface="Microsoft JhengHei UI" panose="020B0604030504040204" pitchFamily="34" charset="-120"/>
+                <a:ea typeface="Microsoft JhengHei UI" panose="020B0604030504040204" pitchFamily="34" charset="-120"/>
+              </a:rPr>
+              <a:t>移動速度為每幀（</a:t>
+            </a:r>
+            <a:r>
+              <a:rPr lang="en-US" altLang="zh-TW" dirty="0">
+                <a:latin typeface="Microsoft JhengHei UI" panose="020B0604030504040204" pitchFamily="34" charset="-120"/>
+                <a:ea typeface="Microsoft JhengHei UI" panose="020B0604030504040204" pitchFamily="34" charset="-120"/>
+              </a:rPr>
+              <a:t>±5</a:t>
+            </a:r>
+            <a:r>
+              <a:rPr lang="zh-TW" altLang="en-US" dirty="0">
+                <a:latin typeface="Microsoft JhengHei UI" panose="020B0604030504040204" pitchFamily="34" charset="-120"/>
+                <a:ea typeface="Microsoft JhengHei UI" panose="020B0604030504040204" pitchFamily="34" charset="-120"/>
+              </a:rPr>
+              <a:t>，</a:t>
+            </a:r>
+            <a:r>
+              <a:rPr lang="en-US" altLang="zh-TW" dirty="0">
+                <a:latin typeface="Microsoft JhengHei UI" panose="020B0604030504040204" pitchFamily="34" charset="-120"/>
+                <a:ea typeface="Microsoft JhengHei UI" panose="020B0604030504040204" pitchFamily="34" charset="-120"/>
+              </a:rPr>
+              <a:t>0</a:t>
+            </a:r>
+            <a:r>
+              <a:rPr lang="zh-TW" altLang="en-US" dirty="0">
+                <a:latin typeface="Microsoft JhengHei UI" panose="020B0604030504040204" pitchFamily="34" charset="-120"/>
+                <a:ea typeface="Microsoft JhengHei UI" panose="020B0604030504040204" pitchFamily="34" charset="-120"/>
+              </a:rPr>
+              <a:t>）像素。</a:t>
+            </a:r>
+          </a:p>
+          <a:p>
+            <a:pPr lvl="1">
+              <a:lnSpc>
+                <a:spcPct val="100000"/>
+              </a:lnSpc>
+            </a:pPr>
+            <a:r>
+              <a:rPr lang="en-US" altLang="zh-TW" dirty="0">
+                <a:latin typeface="Microsoft JhengHei UI" panose="020B0604030504040204" pitchFamily="34" charset="-120"/>
+                <a:ea typeface="Microsoft JhengHei UI" panose="020B0604030504040204" pitchFamily="34" charset="-120"/>
+              </a:rPr>
+              <a:t>1P</a:t>
+            </a:r>
+            <a:r>
+              <a:rPr lang="zh-TW" altLang="en-US" dirty="0">
+                <a:latin typeface="Microsoft JhengHei UI" panose="020B0604030504040204" pitchFamily="34" charset="-120"/>
+                <a:ea typeface="Microsoft JhengHei UI" panose="020B0604030504040204" pitchFamily="34" charset="-120"/>
+              </a:rPr>
+              <a:t>平台的初始位置為（</a:t>
+            </a:r>
+            <a:r>
+              <a:rPr lang="en-US" altLang="zh-TW" dirty="0">
+                <a:latin typeface="Microsoft JhengHei UI" panose="020B0604030504040204" pitchFamily="34" charset="-120"/>
+                <a:ea typeface="Microsoft JhengHei UI" panose="020B0604030504040204" pitchFamily="34" charset="-120"/>
+              </a:rPr>
+              <a:t>80</a:t>
+            </a:r>
+            <a:r>
+              <a:rPr lang="zh-TW" altLang="en-US" dirty="0">
+                <a:latin typeface="Microsoft JhengHei UI" panose="020B0604030504040204" pitchFamily="34" charset="-120"/>
+                <a:ea typeface="Microsoft JhengHei UI" panose="020B0604030504040204" pitchFamily="34" charset="-120"/>
+              </a:rPr>
+              <a:t>，</a:t>
+            </a:r>
+            <a:r>
+              <a:rPr lang="en-US" altLang="zh-TW" dirty="0">
+                <a:latin typeface="Microsoft JhengHei UI" panose="020B0604030504040204" pitchFamily="34" charset="-120"/>
+                <a:ea typeface="Microsoft JhengHei UI" panose="020B0604030504040204" pitchFamily="34" charset="-120"/>
+              </a:rPr>
+              <a:t>420</a:t>
+            </a:r>
+            <a:r>
+              <a:rPr lang="zh-TW" altLang="en-US" dirty="0">
+                <a:latin typeface="Microsoft JhengHei UI" panose="020B0604030504040204" pitchFamily="34" charset="-120"/>
+                <a:ea typeface="Microsoft JhengHei UI" panose="020B0604030504040204" pitchFamily="34" charset="-120"/>
+              </a:rPr>
+              <a:t>），而</a:t>
+            </a:r>
+            <a:r>
+              <a:rPr lang="en-US" altLang="zh-TW" dirty="0">
+                <a:latin typeface="Microsoft JhengHei UI" panose="020B0604030504040204" pitchFamily="34" charset="-120"/>
+                <a:ea typeface="Microsoft JhengHei UI" panose="020B0604030504040204" pitchFamily="34" charset="-120"/>
+              </a:rPr>
+              <a:t>2P</a:t>
+            </a:r>
+            <a:r>
+              <a:rPr lang="zh-TW" altLang="en-US" dirty="0">
+                <a:latin typeface="Microsoft JhengHei UI" panose="020B0604030504040204" pitchFamily="34" charset="-120"/>
+                <a:ea typeface="Microsoft JhengHei UI" panose="020B0604030504040204" pitchFamily="34" charset="-120"/>
+              </a:rPr>
+              <a:t>平台的初始位置為（</a:t>
+            </a:r>
+            <a:r>
+              <a:rPr lang="en-US" altLang="zh-TW" dirty="0">
+                <a:latin typeface="Microsoft JhengHei UI" panose="020B0604030504040204" pitchFamily="34" charset="-120"/>
+                <a:ea typeface="Microsoft JhengHei UI" panose="020B0604030504040204" pitchFamily="34" charset="-120"/>
+              </a:rPr>
+              <a:t>80</a:t>
+            </a:r>
+            <a:r>
+              <a:rPr lang="zh-TW" altLang="en-US" dirty="0">
+                <a:latin typeface="Microsoft JhengHei UI" panose="020B0604030504040204" pitchFamily="34" charset="-120"/>
+                <a:ea typeface="Microsoft JhengHei UI" panose="020B0604030504040204" pitchFamily="34" charset="-120"/>
+              </a:rPr>
+              <a:t>，</a:t>
+            </a:r>
+            <a:r>
+              <a:rPr lang="en-US" altLang="zh-TW" dirty="0">
+                <a:latin typeface="Microsoft JhengHei UI" panose="020B0604030504040204" pitchFamily="34" charset="-120"/>
+                <a:ea typeface="Microsoft JhengHei UI" panose="020B0604030504040204" pitchFamily="34" charset="-120"/>
+              </a:rPr>
+              <a:t>50</a:t>
+            </a:r>
+            <a:r>
+              <a:rPr lang="zh-TW" altLang="en-US" dirty="0">
+                <a:latin typeface="Microsoft JhengHei UI" panose="020B0604030504040204" pitchFamily="34" charset="-120"/>
+                <a:ea typeface="Microsoft JhengHei UI" panose="020B0604030504040204" pitchFamily="34" charset="-120"/>
+              </a:rPr>
+              <a:t>）。</a:t>
+            </a:r>
+            <a:endParaRPr lang="en-US" altLang="zh-TW" dirty="0">
+              <a:latin typeface="Microsoft JhengHei UI" panose="020B0604030504040204" pitchFamily="34" charset="-120"/>
+              <a:ea typeface="Microsoft JhengHei UI" panose="020B0604030504040204" pitchFamily="34" charset="-120"/>
+            </a:endParaRPr>
+          </a:p>
+        </p:txBody>
+      </p:sp>
+      <p:grpSp>
+        <p:nvGrpSpPr>
+          <p:cNvPr id="8" name="群組 7">
+            <a:extLst>
+              <a:ext uri="{FF2B5EF4-FFF2-40B4-BE49-F238E27FC236}">
+                <a16:creationId xmlns:a16="http://schemas.microsoft.com/office/drawing/2014/main" id="{98D646D1-F9F7-4425-8567-99EEEF2F349B}"/>
+              </a:ext>
+            </a:extLst>
+          </p:cNvPr>
+          <p:cNvGrpSpPr/>
+          <p:nvPr/>
+        </p:nvGrpSpPr>
+        <p:grpSpPr>
+          <a:xfrm>
+            <a:off x="8424411" y="2367200"/>
+            <a:ext cx="3050160" cy="3849977"/>
+            <a:chOff x="8424411" y="1984020"/>
+            <a:chExt cx="3050160" cy="3849977"/>
+          </a:xfrm>
+        </p:grpSpPr>
+        <p:cxnSp>
+          <p:nvCxnSpPr>
+            <p:cNvPr id="9" name="直線接點 8">
+              <a:extLst>
+                <a:ext uri="{FF2B5EF4-FFF2-40B4-BE49-F238E27FC236}">
+                  <a16:creationId xmlns:a16="http://schemas.microsoft.com/office/drawing/2014/main" id="{A1AE8BD8-E512-4E1C-A383-B924D3877643}"/>
+                </a:ext>
+              </a:extLst>
+            </p:cNvPr>
+            <p:cNvCxnSpPr>
+              <a:cxnSpLocks/>
+            </p:cNvCxnSpPr>
+            <p:nvPr/>
+          </p:nvCxnSpPr>
+          <p:spPr>
+            <a:xfrm>
+              <a:off x="9343846" y="2311880"/>
+              <a:ext cx="2130725" cy="0"/>
+            </a:xfrm>
+            <a:prstGeom prst="line">
+              <a:avLst/>
+            </a:prstGeom>
+            <a:ln w="28575">
+              <a:solidFill>
+                <a:srgbClr val="FF0000"/>
+              </a:solidFill>
+            </a:ln>
+          </p:spPr>
+          <p:style>
+            <a:lnRef idx="1">
+              <a:schemeClr val="accent1"/>
+            </a:lnRef>
+            <a:fillRef idx="0">
+              <a:schemeClr val="accent1"/>
+            </a:fillRef>
+            <a:effectRef idx="0">
+              <a:schemeClr val="accent1"/>
+            </a:effectRef>
+            <a:fontRef idx="minor">
+              <a:schemeClr val="tx1"/>
+            </a:fontRef>
+          </p:style>
+        </p:cxnSp>
+        <p:cxnSp>
+          <p:nvCxnSpPr>
+            <p:cNvPr id="10" name="直線接點 9">
+              <a:extLst>
+                <a:ext uri="{FF2B5EF4-FFF2-40B4-BE49-F238E27FC236}">
+                  <a16:creationId xmlns:a16="http://schemas.microsoft.com/office/drawing/2014/main" id="{F0CF7ED1-A63F-403D-B739-6BCBED64463C}"/>
+                </a:ext>
+              </a:extLst>
+            </p:cNvPr>
+            <p:cNvCxnSpPr>
+              <a:cxnSpLocks/>
+            </p:cNvCxnSpPr>
+            <p:nvPr/>
+          </p:nvCxnSpPr>
+          <p:spPr>
+            <a:xfrm>
+              <a:off x="9343846" y="5388635"/>
+              <a:ext cx="2130725" cy="0"/>
+            </a:xfrm>
+            <a:prstGeom prst="line">
+              <a:avLst/>
+            </a:prstGeom>
+            <a:ln w="28575">
+              <a:solidFill>
+                <a:srgbClr val="FF0000"/>
+              </a:solidFill>
+            </a:ln>
+          </p:spPr>
+          <p:style>
+            <a:lnRef idx="1">
+              <a:schemeClr val="accent1"/>
+            </a:lnRef>
+            <a:fillRef idx="0">
+              <a:schemeClr val="accent1"/>
+            </a:fillRef>
+            <a:effectRef idx="0">
+              <a:schemeClr val="accent1"/>
+            </a:effectRef>
+            <a:fontRef idx="minor">
+              <a:schemeClr val="tx1"/>
+            </a:fontRef>
+          </p:style>
+        </p:cxnSp>
+        <p:sp>
+          <p:nvSpPr>
+            <p:cNvPr id="11" name="矩形 10">
+              <a:extLst>
+                <a:ext uri="{FF2B5EF4-FFF2-40B4-BE49-F238E27FC236}">
+                  <a16:creationId xmlns:a16="http://schemas.microsoft.com/office/drawing/2014/main" id="{ADD893B9-5BF0-4511-A3A2-1AD835BC2C40}"/>
+                </a:ext>
+              </a:extLst>
+            </p:cNvPr>
+            <p:cNvSpPr/>
+            <p:nvPr/>
+          </p:nvSpPr>
+          <p:spPr>
+            <a:xfrm>
+              <a:off x="8555641" y="2127214"/>
+              <a:ext cx="955390" cy="369332"/>
+            </a:xfrm>
+            <a:prstGeom prst="rect">
+              <a:avLst/>
+            </a:prstGeom>
+          </p:spPr>
+          <p:txBody>
+            <a:bodyPr wrap="none">
+              <a:spAutoFit/>
+            </a:bodyPr>
+            <a:lstStyle/>
+            <a:p>
+              <a:r>
+                <a:rPr lang="en-US" altLang="zh-TW" dirty="0">
+                  <a:solidFill>
+                    <a:srgbClr val="FF0000"/>
+                  </a:solidFill>
+                  <a:latin typeface="Microsoft JhengHei UI" panose="020B0604030504040204" pitchFamily="34" charset="-120"/>
+                  <a:ea typeface="Microsoft JhengHei UI" panose="020B0604030504040204" pitchFamily="34" charset="-120"/>
+                  <a:cs typeface="Times New Roman" panose="02020603050405020304" pitchFamily="18" charset="0"/>
+                </a:rPr>
+                <a:t>80pixel</a:t>
+              </a:r>
+              <a:endParaRPr lang="zh-TW" altLang="en-US" dirty="0">
+                <a:solidFill>
+                  <a:srgbClr val="FF0000"/>
+                </a:solidFill>
+                <a:latin typeface="Microsoft JhengHei UI" panose="020B0604030504040204" pitchFamily="34" charset="-120"/>
+                <a:ea typeface="Microsoft JhengHei UI" panose="020B0604030504040204" pitchFamily="34" charset="-120"/>
+                <a:cs typeface="Times New Roman" panose="02020603050405020304" pitchFamily="18" charset="0"/>
+              </a:endParaRPr>
+            </a:p>
+          </p:txBody>
+        </p:sp>
+        <p:sp>
+          <p:nvSpPr>
+            <p:cNvPr id="12" name="矩形 11">
+              <a:extLst>
+                <a:ext uri="{FF2B5EF4-FFF2-40B4-BE49-F238E27FC236}">
+                  <a16:creationId xmlns:a16="http://schemas.microsoft.com/office/drawing/2014/main" id="{D7FE86B3-8B4A-48EC-85A1-BE2457B3E458}"/>
+                </a:ext>
+              </a:extLst>
+            </p:cNvPr>
+            <p:cNvSpPr/>
+            <p:nvPr/>
+          </p:nvSpPr>
+          <p:spPr>
+            <a:xfrm>
+              <a:off x="8424411" y="5203969"/>
+              <a:ext cx="1088439" cy="369332"/>
+            </a:xfrm>
+            <a:prstGeom prst="rect">
+              <a:avLst/>
+            </a:prstGeom>
+          </p:spPr>
+          <p:txBody>
+            <a:bodyPr wrap="none">
+              <a:spAutoFit/>
+            </a:bodyPr>
+            <a:lstStyle/>
+            <a:p>
+              <a:r>
+                <a:rPr lang="en-US" altLang="zh-TW" dirty="0">
+                  <a:solidFill>
+                    <a:srgbClr val="FF0000"/>
+                  </a:solidFill>
+                  <a:latin typeface="Microsoft JhengHei UI" panose="020B0604030504040204" pitchFamily="34" charset="-120"/>
+                  <a:ea typeface="Microsoft JhengHei UI" panose="020B0604030504040204" pitchFamily="34" charset="-120"/>
+                  <a:cs typeface="Times New Roman" panose="02020603050405020304" pitchFamily="18" charset="0"/>
+                </a:rPr>
+                <a:t>420pixel</a:t>
+              </a:r>
+              <a:endParaRPr lang="zh-TW" altLang="en-US" dirty="0">
+                <a:solidFill>
+                  <a:srgbClr val="FF0000"/>
+                </a:solidFill>
+                <a:latin typeface="Microsoft JhengHei UI" panose="020B0604030504040204" pitchFamily="34" charset="-120"/>
+                <a:ea typeface="Microsoft JhengHei UI" panose="020B0604030504040204" pitchFamily="34" charset="-120"/>
+                <a:cs typeface="Times New Roman" panose="02020603050405020304" pitchFamily="18" charset="0"/>
+              </a:endParaRPr>
+            </a:p>
+          </p:txBody>
+        </p:sp>
+        <p:sp>
+          <p:nvSpPr>
+            <p:cNvPr id="13" name="矩形 12">
+              <a:extLst>
+                <a:ext uri="{FF2B5EF4-FFF2-40B4-BE49-F238E27FC236}">
+                  <a16:creationId xmlns:a16="http://schemas.microsoft.com/office/drawing/2014/main" id="{2F788BA8-0145-41D0-B1BA-8D7EB6F34BA6}"/>
+                </a:ext>
+              </a:extLst>
+            </p:cNvPr>
+            <p:cNvSpPr/>
+            <p:nvPr/>
+          </p:nvSpPr>
+          <p:spPr>
+            <a:xfrm>
+              <a:off x="10711317" y="1984020"/>
+              <a:ext cx="457176" cy="369332"/>
+            </a:xfrm>
+            <a:prstGeom prst="rect">
+              <a:avLst/>
+            </a:prstGeom>
+          </p:spPr>
+          <p:txBody>
+            <a:bodyPr wrap="none">
+              <a:spAutoFit/>
+            </a:bodyPr>
+            <a:lstStyle/>
+            <a:p>
+              <a:r>
+                <a:rPr lang="en-US" altLang="zh-TW" dirty="0">
+                  <a:solidFill>
+                    <a:srgbClr val="5495FE"/>
+                  </a:solidFill>
+                  <a:latin typeface="Microsoft JhengHei UI" panose="020B0604030504040204" pitchFamily="34" charset="-120"/>
+                  <a:ea typeface="Microsoft JhengHei UI" panose="020B0604030504040204" pitchFamily="34" charset="-120"/>
+                  <a:cs typeface="Times New Roman" panose="02020603050405020304" pitchFamily="18" charset="0"/>
+                </a:rPr>
+                <a:t>1P</a:t>
+              </a:r>
+              <a:endParaRPr lang="zh-TW" altLang="en-US" dirty="0">
+                <a:solidFill>
+                  <a:srgbClr val="5495FE"/>
+                </a:solidFill>
+                <a:latin typeface="Microsoft JhengHei UI" panose="020B0604030504040204" pitchFamily="34" charset="-120"/>
+                <a:ea typeface="Microsoft JhengHei UI" panose="020B0604030504040204" pitchFamily="34" charset="-120"/>
+                <a:cs typeface="Times New Roman" panose="02020603050405020304" pitchFamily="18" charset="0"/>
+              </a:endParaRPr>
+            </a:p>
+          </p:txBody>
+        </p:sp>
+        <p:sp>
+          <p:nvSpPr>
+            <p:cNvPr id="14" name="矩形 13">
+              <a:extLst>
+                <a:ext uri="{FF2B5EF4-FFF2-40B4-BE49-F238E27FC236}">
+                  <a16:creationId xmlns:a16="http://schemas.microsoft.com/office/drawing/2014/main" id="{55C343FC-C4B4-49F0-AEFA-514D91A8B7CB}"/>
+                </a:ext>
+              </a:extLst>
+            </p:cNvPr>
+            <p:cNvSpPr/>
+            <p:nvPr/>
+          </p:nvSpPr>
+          <p:spPr>
+            <a:xfrm>
+              <a:off x="10754484" y="5464665"/>
+              <a:ext cx="457176" cy="369332"/>
+            </a:xfrm>
+            <a:prstGeom prst="rect">
+              <a:avLst/>
+            </a:prstGeom>
+          </p:spPr>
+          <p:txBody>
+            <a:bodyPr wrap="none">
+              <a:spAutoFit/>
+            </a:bodyPr>
+            <a:lstStyle/>
+            <a:p>
+              <a:r>
+                <a:rPr lang="en-US" altLang="zh-TW" dirty="0">
+                  <a:solidFill>
+                    <a:srgbClr val="FF0000"/>
+                  </a:solidFill>
+                  <a:latin typeface="Microsoft JhengHei UI" panose="020B0604030504040204" pitchFamily="34" charset="-120"/>
+                  <a:ea typeface="Microsoft JhengHei UI" panose="020B0604030504040204" pitchFamily="34" charset="-120"/>
+                  <a:cs typeface="Times New Roman" panose="02020603050405020304" pitchFamily="18" charset="0"/>
+                </a:rPr>
+                <a:t>2P</a:t>
+              </a:r>
+              <a:endParaRPr lang="zh-TW" altLang="en-US" dirty="0">
+                <a:solidFill>
+                  <a:srgbClr val="FF0000"/>
+                </a:solidFill>
+                <a:latin typeface="Microsoft JhengHei UI" panose="020B0604030504040204" pitchFamily="34" charset="-120"/>
+                <a:ea typeface="Microsoft JhengHei UI" panose="020B0604030504040204" pitchFamily="34" charset="-120"/>
+                <a:cs typeface="Times New Roman" panose="02020603050405020304" pitchFamily="18" charset="0"/>
+              </a:endParaRPr>
+            </a:p>
+          </p:txBody>
+        </p:sp>
+      </p:grpSp>
+    </p:spTree>
+    <p:extLst>
+      <p:ext uri="{BB962C8B-B14F-4D97-AF65-F5344CB8AC3E}">
+        <p14:creationId xmlns:p14="http://schemas.microsoft.com/office/powerpoint/2010/main" val="3633561167"/>
+      </p:ext>
+    </p:extLst>
+  </p:cSld>
+  <p:clrMapOvr>
+    <a:masterClrMapping/>
+  </p:clrMapOvr>
+</p:sld>
+</file>
+
+<file path=ppt/slides/slide5.xml><?xml version="1.0" encoding="utf-8"?>
+<p:sld xmlns:a="http://schemas.openxmlformats.org/drawingml/2006/main" xmlns:r="http://schemas.openxmlformats.org/officeDocument/2006/relationships" xmlns:p="http://schemas.openxmlformats.org/presentationml/2006/main">
+  <p:cSld>
+    <p:spTree>
+      <p:nvGrpSpPr>
+        <p:cNvPr id="1" name=""/>
+        <p:cNvGrpSpPr/>
+        <p:nvPr/>
+      </p:nvGrpSpPr>
+      <p:grpSpPr>
+        <a:xfrm>
+          <a:off x="0" y="0"/>
+          <a:ext cx="0" cy="0"/>
+          <a:chOff x="0" y="0"/>
+          <a:chExt cx="0" cy="0"/>
+        </a:xfrm>
+      </p:grpSpPr>
+      <p:sp>
+        <p:nvSpPr>
           <p:cNvPr id="2" name="內容版面配置區 1"/>
           <p:cNvSpPr>
             <a:spLocks noGrp="1"/>
@@ -7702,7 +9051,7 @@
                 </a:solidFill>
                 <a:cs typeface="+mn-ea"/>
               </a:rPr>
-              <a:t>點</a:t>
+              <a:t>點 </a:t>
             </a:r>
             <a:endParaRPr lang="en-US" altLang="zh-TW" sz="2800" dirty="0" smtClean="0">
               <a:solidFill>
@@ -7778,20 +9127,7 @@
                 <a:cs typeface="+mn-ea"/>
                 <a:sym typeface="+mn-lt"/>
               </a:rPr>
-              <a:t>在速度</a:t>
-            </a:r>
-            <a:r>
-              <a:rPr lang="zh-TW" altLang="en-US" sz="2800" dirty="0">
-                <a:solidFill>
-                  <a:schemeClr val="tx1">
-                    <a:lumMod val="75000"/>
-                    <a:lumOff val="25000"/>
-                  </a:schemeClr>
-                </a:solidFill>
-                <a:cs typeface="+mn-ea"/>
-                <a:sym typeface="+mn-lt"/>
-              </a:rPr>
-              <a:t>到達</a:t>
+              <a:t>在速度到達</a:t>
             </a:r>
             <a:r>
               <a:rPr lang="en-US" altLang="zh-TW" sz="2800" dirty="0">
@@ -7817,33 +9153,7 @@
                 <a:cs typeface="+mn-ea"/>
                 <a:sym typeface="+mn-lt"/>
               </a:rPr>
-              <a:t>以前</a:t>
-            </a:r>
-            <a:r>
-              <a:rPr lang="zh-TW" altLang="en-US" sz="2800" dirty="0">
-                <a:solidFill>
-                  <a:schemeClr val="tx1">
-                    <a:lumMod val="75000"/>
-                    <a:lumOff val="25000"/>
-                  </a:schemeClr>
-                </a:solidFill>
-                <a:cs typeface="+mn-ea"/>
-                <a:sym typeface="+mn-lt"/>
-              </a:rPr>
-              <a:t>不</a:t>
-            </a:r>
-            <a:r>
-              <a:rPr lang="zh-TW" altLang="en-US" sz="2800" dirty="0">
-                <a:solidFill>
-                  <a:schemeClr val="tx1">
-                    <a:lumMod val="75000"/>
-                    <a:lumOff val="25000"/>
-                  </a:schemeClr>
-                </a:solidFill>
-                <a:cs typeface="+mn-ea"/>
-                <a:sym typeface="+mn-lt"/>
-              </a:rPr>
-              <a:t>失誤</a:t>
+              <a:t>以前不失誤</a:t>
             </a:r>
             <a:endParaRPr lang="en-US" altLang="zh-TW" sz="2800" dirty="0">
               <a:solidFill>
@@ -8006,7 +9316,7 @@
 </p:sld>
 </file>
 
-<file path=ppt/slides/slide4.xml><?xml version="1.0" encoding="utf-8"?>
+<file path=ppt/slides/slide6.xml><?xml version="1.0" encoding="utf-8"?>
 <p:sld xmlns:a="http://schemas.openxmlformats.org/drawingml/2006/main" xmlns:r="http://schemas.openxmlformats.org/officeDocument/2006/relationships" xmlns:p="http://schemas.openxmlformats.org/presentationml/2006/main">
   <p:cSld>
     <p:spTree>
@@ -8865,7 +10175,7 @@
 </p:sld>
 </file>
 
-<file path=ppt/slides/slide5.xml><?xml version="1.0" encoding="utf-8"?>
+<file path=ppt/slides/slide7.xml><?xml version="1.0" encoding="utf-8"?>
 <p:sld xmlns:a="http://schemas.openxmlformats.org/drawingml/2006/main" xmlns:r="http://schemas.openxmlformats.org/officeDocument/2006/relationships" xmlns:p="http://schemas.openxmlformats.org/presentationml/2006/main">
   <p:cSld>
     <p:spTree>
@@ -9629,14 +10939,7 @@
                 <a:latin typeface="微軟正黑體" panose="020B0604030504040204" pitchFamily="34" charset="-120"/>
                 <a:ea typeface="微軟正黑體" panose="020B0604030504040204" pitchFamily="34" charset="-120"/>
               </a:rPr>
-              <a:t>板子移動至落點</a:t>
-            </a:r>
-            <a:r>
-              <a:rPr lang="zh-TW" altLang="en-US" sz="1400" dirty="0" smtClean="0">
-                <a:latin typeface="微軟正黑體" panose="020B0604030504040204" pitchFamily="34" charset="-120"/>
-                <a:ea typeface="微軟正黑體" panose="020B0604030504040204" pitchFamily="34" charset="-120"/>
-              </a:rPr>
-              <a:t>處</a:t>
+              <a:t>板子移動至落點處</a:t>
             </a:r>
             <a:r>
               <a:rPr lang="en-US" altLang="zh-TW" sz="1400" dirty="0" smtClean="0">

--- a/專案管理.pptx
+++ b/專案管理.pptx
@@ -203,7 +203,7 @@
           <a:p>
             <a:fld id="{8DADACD0-0803-4739-80AC-0BF714382191}" type="datetimeFigureOut">
               <a:rPr lang="zh-TW" altLang="en-US" smtClean="0"/>
-              <a:t>2020/11/23</a:t>
+              <a:t>2020/11/25</a:t>
             </a:fld>
             <a:endParaRPr lang="zh-TW" altLang="en-US"/>
           </a:p>
@@ -1777,7 +1777,7 @@
           <a:p>
             <a:fld id="{A443866F-78E9-4748-B589-0BAF5BCC8E53}" type="datetimeFigureOut">
               <a:rPr lang="zh-TW" altLang="en-US" smtClean="0"/>
-              <a:t>2020/11/23</a:t>
+              <a:t>2020/11/25</a:t>
             </a:fld>
             <a:endParaRPr lang="zh-TW" altLang="en-US"/>
           </a:p>
@@ -2020,7 +2020,7 @@
           <a:p>
             <a:fld id="{A443866F-78E9-4748-B589-0BAF5BCC8E53}" type="datetimeFigureOut">
               <a:rPr lang="zh-TW" altLang="en-US" smtClean="0"/>
-              <a:t>2020/11/23</a:t>
+              <a:t>2020/11/25</a:t>
             </a:fld>
             <a:endParaRPr lang="zh-TW" altLang="en-US"/>
           </a:p>
@@ -2200,7 +2200,7 @@
           <a:p>
             <a:fld id="{A443866F-78E9-4748-B589-0BAF5BCC8E53}" type="datetimeFigureOut">
               <a:rPr lang="zh-TW" altLang="en-US" smtClean="0"/>
-              <a:t>2020/11/23</a:t>
+              <a:t>2020/11/25</a:t>
             </a:fld>
             <a:endParaRPr lang="zh-TW" altLang="en-US"/>
           </a:p>
@@ -2370,7 +2370,7 @@
           <a:p>
             <a:fld id="{A443866F-78E9-4748-B589-0BAF5BCC8E53}" type="datetimeFigureOut">
               <a:rPr lang="zh-TW" altLang="en-US" smtClean="0"/>
-              <a:t>2020/11/23</a:t>
+              <a:t>2020/11/25</a:t>
             </a:fld>
             <a:endParaRPr lang="zh-TW" altLang="en-US"/>
           </a:p>
@@ -2649,7 +2649,7 @@
           <a:p>
             <a:fld id="{A443866F-78E9-4748-B589-0BAF5BCC8E53}" type="datetimeFigureOut">
               <a:rPr lang="zh-TW" altLang="en-US" smtClean="0"/>
-              <a:t>2020/11/23</a:t>
+              <a:t>2020/11/25</a:t>
             </a:fld>
             <a:endParaRPr lang="zh-TW" altLang="en-US"/>
           </a:p>
@@ -3850,7 +3850,7 @@
           <a:p>
             <a:fld id="{A443866F-78E9-4748-B589-0BAF5BCC8E53}" type="datetimeFigureOut">
               <a:rPr lang="zh-TW" altLang="en-US" smtClean="0"/>
-              <a:t>2020/11/23</a:t>
+              <a:t>2020/11/25</a:t>
             </a:fld>
             <a:endParaRPr lang="zh-TW" altLang="en-US"/>
           </a:p>
@@ -4246,7 +4246,7 @@
           <a:p>
             <a:fld id="{A443866F-78E9-4748-B589-0BAF5BCC8E53}" type="datetimeFigureOut">
               <a:rPr lang="zh-TW" altLang="en-US" smtClean="0"/>
-              <a:t>2020/11/23</a:t>
+              <a:t>2020/11/25</a:t>
             </a:fld>
             <a:endParaRPr lang="zh-TW" altLang="en-US"/>
           </a:p>
@@ -4369,7 +4369,7 @@
           <a:p>
             <a:fld id="{A443866F-78E9-4748-B589-0BAF5BCC8E53}" type="datetimeFigureOut">
               <a:rPr lang="zh-TW" altLang="en-US" smtClean="0"/>
-              <a:t>2020/11/23</a:t>
+              <a:t>2020/11/25</a:t>
             </a:fld>
             <a:endParaRPr lang="zh-TW" altLang="en-US"/>
           </a:p>
@@ -4464,7 +4464,7 @@
           <a:p>
             <a:fld id="{A443866F-78E9-4748-B589-0BAF5BCC8E53}" type="datetimeFigureOut">
               <a:rPr lang="zh-TW" altLang="en-US" smtClean="0"/>
-              <a:t>2020/11/23</a:t>
+              <a:t>2020/11/25</a:t>
             </a:fld>
             <a:endParaRPr lang="zh-TW" altLang="en-US"/>
           </a:p>
@@ -5230,7 +5230,7 @@
           <a:p>
             <a:fld id="{A443866F-78E9-4748-B589-0BAF5BCC8E53}" type="datetimeFigureOut">
               <a:rPr lang="zh-TW" altLang="en-US" smtClean="0"/>
-              <a:t>2020/11/23</a:t>
+              <a:t>2020/11/25</a:t>
             </a:fld>
             <a:endParaRPr lang="zh-TW" altLang="en-US"/>
           </a:p>
@@ -6073,7 +6073,7 @@
           <a:p>
             <a:fld id="{A443866F-78E9-4748-B589-0BAF5BCC8E53}" type="datetimeFigureOut">
               <a:rPr lang="zh-TW" altLang="en-US" smtClean="0"/>
-              <a:t>2020/11/23</a:t>
+              <a:t>2020/11/25</a:t>
             </a:fld>
             <a:endParaRPr lang="zh-TW" altLang="en-US"/>
           </a:p>
@@ -6300,7 +6300,7 @@
           <a:p>
             <a:fld id="{A443866F-78E9-4748-B589-0BAF5BCC8E53}" type="datetimeFigureOut">
               <a:rPr lang="zh-TW" altLang="en-US" smtClean="0"/>
-              <a:t>2020/11/23</a:t>
+              <a:t>2020/11/25</a:t>
             </a:fld>
             <a:endParaRPr lang="zh-TW" altLang="en-US"/>
           </a:p>
@@ -9065,7 +9065,7 @@
           </a:p>
           <a:p>
             <a:r>
-              <a:rPr lang="zh-TW" altLang="en-US" sz="2800" dirty="0">
+              <a:rPr lang="zh-TW" altLang="en-US" sz="2800" smtClean="0">
                 <a:solidFill>
                   <a:schemeClr val="tx1">
                     <a:lumMod val="75000"/>
@@ -9075,10 +9075,10 @@
                 <a:cs typeface="+mn-ea"/>
                 <a:sym typeface="+mn-lt"/>
               </a:rPr>
-              <a:t>平板能以最直接的方式移動</a:t>
-            </a:r>
-            <a:r>
-              <a:rPr lang="en-US" altLang="zh-TW" sz="2800" dirty="0">
+              <a:t>平板以</a:t>
+            </a:r>
+            <a:r>
+              <a:rPr lang="zh-TW" altLang="en-US" sz="2800" dirty="0" smtClean="0">
                 <a:solidFill>
                   <a:schemeClr val="tx1">
                     <a:lumMod val="75000"/>
@@ -9088,32 +9088,17 @@
                 <a:cs typeface="+mn-ea"/>
                 <a:sym typeface="+mn-lt"/>
               </a:rPr>
-              <a:t>(</a:t>
-            </a:r>
-            <a:r>
-              <a:rPr lang="zh-TW" altLang="en-US" sz="2800" dirty="0">
-                <a:solidFill>
-                  <a:schemeClr val="tx1">
-                    <a:lumMod val="75000"/>
-                    <a:lumOff val="25000"/>
-                  </a:schemeClr>
-                </a:solidFill>
-                <a:cs typeface="+mn-ea"/>
-              </a:rPr>
-              <a:t>移動路徑短</a:t>
-            </a:r>
-            <a:r>
-              <a:rPr lang="en-US" altLang="zh-TW" sz="2800" dirty="0">
-                <a:solidFill>
-                  <a:schemeClr val="tx1">
-                    <a:lumMod val="75000"/>
-                    <a:lumOff val="25000"/>
-                  </a:schemeClr>
-                </a:solidFill>
-                <a:cs typeface="+mn-ea"/>
-              </a:rPr>
-              <a:t>)</a:t>
-            </a:r>
+              <a:t>中心接球</a:t>
+            </a:r>
+            <a:endParaRPr lang="en-US" altLang="zh-TW" sz="2800" dirty="0">
+              <a:solidFill>
+                <a:schemeClr val="tx1">
+                  <a:lumMod val="75000"/>
+                  <a:lumOff val="25000"/>
+                </a:schemeClr>
+              </a:solidFill>
+              <a:cs typeface="+mn-ea"/>
+            </a:endParaRPr>
           </a:p>
           <a:p>
             <a:r>
